--- a/images/instructions/manipulation_question_inst.pptx
+++ b/images/instructions/manipulation_question_inst.pptx
@@ -5,13 +5,16 @@
     <p:sldMasterId id="2147483648" r:id="rId1"/>
   </p:sldMasterIdLst>
   <p:notesMasterIdLst>
-    <p:notesMasterId r:id="rId6"/>
+    <p:notesMasterId r:id="rId9"/>
   </p:notesMasterIdLst>
   <p:sldIdLst>
     <p:sldId id="334" r:id="rId2"/>
     <p:sldId id="357" r:id="rId3"/>
     <p:sldId id="332" r:id="rId4"/>
     <p:sldId id="358" r:id="rId5"/>
+    <p:sldId id="361" r:id="rId6"/>
+    <p:sldId id="359" r:id="rId7"/>
+    <p:sldId id="360" r:id="rId8"/>
   </p:sldIdLst>
   <p:sldSz cx="12192000" cy="6858000"/>
   <p:notesSz cx="6858000" cy="9144000"/>
@@ -110,6 +113,11 @@
       </a:defRPr>
     </a:lvl9pPr>
   </p:defaultTextStyle>
+  <p:extLst>
+    <p:ext uri="{EFAFB233-063F-42B5-8137-9DF3F51BA10A}">
+      <p15:sldGuideLst xmlns:p15="http://schemas.microsoft.com/office/powerpoint/2012/main"/>
+    </p:ext>
+  </p:extLst>
 </p:presentation>
 </file>
 
@@ -195,7 +203,7 @@
           <a:p>
             <a:fld id="{C8844929-72CC-624F-BC9E-7FD4479971A4}" type="datetimeFigureOut">
               <a:rPr lang="en-US" smtClean="0"/>
-              <a:t>1/31/24</a:t>
+              <a:t>4/3/24</a:t>
             </a:fld>
             <a:endParaRPr lang="en-US"/>
           </a:p>
@@ -1499,6 +1507,252 @@
           <a:p>
             <a:r>
               <a:rPr lang="en-US" altLang="zh-CN" dirty="0"/>
+              <a:t>As</a:t>
+            </a:r>
+            <a:r>
+              <a:rPr lang="zh-CN" altLang="en-US" dirty="0"/>
+              <a:t> </a:t>
+            </a:r>
+            <a:r>
+              <a:rPr lang="en-US" altLang="zh-CN" dirty="0"/>
+              <a:t>you</a:t>
+            </a:r>
+            <a:r>
+              <a:rPr lang="zh-CN" altLang="en-US" dirty="0"/>
+              <a:t> </a:t>
+            </a:r>
+            <a:r>
+              <a:rPr lang="en-US" altLang="zh-CN" dirty="0"/>
+              <a:t>may</a:t>
+            </a:r>
+            <a:r>
+              <a:rPr lang="zh-CN" altLang="en-US" dirty="0"/>
+              <a:t> </a:t>
+            </a:r>
+            <a:r>
+              <a:rPr lang="en-US" altLang="zh-CN" dirty="0"/>
+              <a:t>noticed,</a:t>
+            </a:r>
+            <a:r>
+              <a:rPr lang="zh-CN" altLang="en-US" dirty="0"/>
+              <a:t> </a:t>
+            </a:r>
+            <a:r>
+              <a:rPr lang="en-US" altLang="zh-CN" dirty="0"/>
+              <a:t>the</a:t>
+            </a:r>
+            <a:r>
+              <a:rPr lang="zh-CN" altLang="en-US" dirty="0"/>
+              <a:t> </a:t>
+            </a:r>
+            <a:r>
+              <a:rPr lang="en-US" altLang="zh-CN" dirty="0"/>
+              <a:t>same</a:t>
+            </a:r>
+            <a:r>
+              <a:rPr lang="zh-CN" altLang="en-US" dirty="0"/>
+              <a:t> </a:t>
+            </a:r>
+            <a:r>
+              <a:rPr lang="en-US" altLang="zh-CN" dirty="0"/>
+              <a:t>color</a:t>
+            </a:r>
+            <a:r>
+              <a:rPr lang="zh-CN" altLang="en-US" dirty="0"/>
+              <a:t> </a:t>
+            </a:r>
+            <a:r>
+              <a:rPr lang="en-US" altLang="zh-CN" dirty="0"/>
+              <a:t>card</a:t>
+            </a:r>
+            <a:r>
+              <a:rPr lang="zh-CN" altLang="en-US" dirty="0"/>
+              <a:t> </a:t>
+            </a:r>
+            <a:r>
+              <a:rPr lang="en-US" altLang="zh-CN" dirty="0"/>
+              <a:t>is</a:t>
+            </a:r>
+            <a:r>
+              <a:rPr lang="zh-CN" altLang="en-US" dirty="0"/>
+              <a:t> </a:t>
+            </a:r>
+            <a:r>
+              <a:rPr lang="en-US" altLang="zh-CN" dirty="0"/>
+              <a:t>sometimes</a:t>
+            </a:r>
+            <a:r>
+              <a:rPr lang="zh-CN" altLang="en-US" dirty="0"/>
+              <a:t> </a:t>
+            </a:r>
+            <a:r>
+              <a:rPr lang="en-US" altLang="zh-CN" dirty="0"/>
+              <a:t>on</a:t>
+            </a:r>
+            <a:r>
+              <a:rPr lang="zh-CN" altLang="en-US" dirty="0"/>
+              <a:t> </a:t>
+            </a:r>
+            <a:r>
+              <a:rPr lang="en-US" altLang="zh-CN" dirty="0"/>
+              <a:t>the</a:t>
+            </a:r>
+            <a:r>
+              <a:rPr lang="zh-CN" altLang="en-US" dirty="0"/>
+              <a:t> </a:t>
+            </a:r>
+            <a:r>
+              <a:rPr lang="en-US" altLang="zh-CN" dirty="0"/>
+              <a:t>left,</a:t>
+            </a:r>
+            <a:r>
+              <a:rPr lang="zh-CN" altLang="en-US" dirty="0"/>
+              <a:t> </a:t>
+            </a:r>
+            <a:r>
+              <a:rPr lang="en-US" altLang="zh-CN" dirty="0"/>
+              <a:t>and</a:t>
+            </a:r>
+            <a:r>
+              <a:rPr lang="zh-CN" altLang="en-US" dirty="0"/>
+              <a:t> </a:t>
+            </a:r>
+            <a:r>
+              <a:rPr lang="en-US" altLang="zh-CN" dirty="0"/>
+              <a:t>sometimes</a:t>
+            </a:r>
+            <a:r>
+              <a:rPr lang="zh-CN" altLang="en-US" dirty="0"/>
+              <a:t> </a:t>
+            </a:r>
+            <a:r>
+              <a:rPr lang="en-US" altLang="zh-CN" dirty="0"/>
+              <a:t>on</a:t>
+            </a:r>
+            <a:r>
+              <a:rPr lang="zh-CN" altLang="en-US" dirty="0"/>
+              <a:t> </a:t>
+            </a:r>
+            <a:r>
+              <a:rPr lang="en-US" altLang="zh-CN" dirty="0"/>
+              <a:t>the</a:t>
+            </a:r>
+            <a:r>
+              <a:rPr lang="zh-CN" altLang="en-US" dirty="0"/>
+              <a:t> </a:t>
+            </a:r>
+            <a:r>
+              <a:rPr lang="en-US" altLang="zh-CN" dirty="0"/>
+              <a:t>right.</a:t>
+            </a:r>
+            <a:r>
+              <a:rPr lang="zh-CN" altLang="en-US" dirty="0"/>
+              <a:t> </a:t>
+            </a:r>
+            <a:r>
+              <a:rPr lang="en-US" altLang="zh-CN" dirty="0"/>
+              <a:t>Here</a:t>
+            </a:r>
+            <a:r>
+              <a:rPr lang="zh-CN" altLang="en-US" dirty="0"/>
+              <a:t> </a:t>
+            </a:r>
+            <a:r>
+              <a:rPr lang="en-US" altLang="zh-CN" dirty="0"/>
+              <a:t>we</a:t>
+            </a:r>
+            <a:r>
+              <a:rPr lang="zh-CN" altLang="en-US" dirty="0"/>
+              <a:t> </a:t>
+            </a:r>
+            <a:r>
+              <a:rPr lang="en-US" altLang="zh-CN" dirty="0"/>
+              <a:t>are</a:t>
+            </a:r>
+            <a:r>
+              <a:rPr lang="zh-CN" altLang="en-US" dirty="0"/>
+              <a:t> </a:t>
+            </a:r>
+            <a:r>
+              <a:rPr lang="en-US" altLang="zh-CN" dirty="0"/>
+              <a:t>asking</a:t>
+            </a:r>
+            <a:r>
+              <a:rPr lang="zh-CN" altLang="en-US" dirty="0"/>
+              <a:t> </a:t>
+            </a:r>
+            <a:r>
+              <a:rPr lang="en-US" altLang="zh-CN" dirty="0"/>
+              <a:t>if</a:t>
+            </a:r>
+            <a:r>
+              <a:rPr lang="zh-CN" altLang="en-US" dirty="0"/>
+              <a:t> </a:t>
+            </a:r>
+            <a:r>
+              <a:rPr lang="en-US" altLang="zh-CN" dirty="0"/>
+              <a:t>the</a:t>
+            </a:r>
+            <a:r>
+              <a:rPr lang="zh-CN" altLang="en-US" dirty="0"/>
+              <a:t> </a:t>
+            </a:r>
+            <a:r>
+              <a:rPr lang="en-US" altLang="zh-CN" dirty="0"/>
+              <a:t>cards</a:t>
+            </a:r>
+            <a:r>
+              <a:rPr lang="zh-CN" altLang="en-US" dirty="0"/>
+              <a:t> </a:t>
+            </a:r>
+            <a:r>
+              <a:rPr lang="en-US" altLang="zh-CN" dirty="0"/>
+              <a:t>switched</a:t>
+            </a:r>
+            <a:r>
+              <a:rPr lang="zh-CN" altLang="en-US" dirty="0"/>
+              <a:t> </a:t>
+            </a:r>
+            <a:r>
+              <a:rPr lang="en-US" altLang="zh-CN" dirty="0"/>
+              <a:t>color,</a:t>
+            </a:r>
+            <a:r>
+              <a:rPr lang="zh-CN" altLang="en-US" dirty="0"/>
+              <a:t> </a:t>
+            </a:r>
+            <a:r>
+              <a:rPr lang="en-US" altLang="zh-CN" dirty="0"/>
+              <a:t>not</a:t>
+            </a:r>
+            <a:r>
+              <a:rPr lang="zh-CN" altLang="en-US" dirty="0"/>
+              <a:t> </a:t>
+            </a:r>
+            <a:r>
+              <a:rPr lang="en-US" altLang="zh-CN" dirty="0"/>
+              <a:t>the</a:t>
+            </a:r>
+            <a:r>
+              <a:rPr lang="zh-CN" altLang="en-US" dirty="0"/>
+              <a:t> </a:t>
+            </a:r>
+            <a:r>
+              <a:rPr lang="en-US" altLang="zh-CN" dirty="0"/>
+              <a:t>position.</a:t>
+            </a:r>
+            <a:r>
+              <a:rPr lang="zh-CN" altLang="en-US" dirty="0"/>
+              <a:t> </a:t>
+            </a:r>
+            <a:endParaRPr lang="en-US" altLang="zh-CN" dirty="0"/>
+          </a:p>
+          <a:p>
+            <a:endParaRPr lang="en-US" altLang="zh-CN" dirty="0"/>
+          </a:p>
+          <a:p>
+            <a:r>
+              <a:rPr lang="en-US" altLang="zh-CN" dirty="0"/>
               <a:t>[click</a:t>
             </a:r>
             <a:r>
@@ -2550,6 +2804,348 @@
 </p:notes>
 </file>
 
+<file path=ppt/notesSlides/notesSlide5.xml><?xml version="1.0" encoding="utf-8"?>
+<p:notes xmlns:a="http://schemas.openxmlformats.org/drawingml/2006/main" xmlns:r="http://schemas.openxmlformats.org/officeDocument/2006/relationships" xmlns:p="http://schemas.openxmlformats.org/presentationml/2006/main">
+  <p:cSld>
+    <p:spTree>
+      <p:nvGrpSpPr>
+        <p:cNvPr id="1" name="">
+          <a:extLst>
+            <a:ext uri="{FF2B5EF4-FFF2-40B4-BE49-F238E27FC236}">
+              <a16:creationId xmlns:a16="http://schemas.microsoft.com/office/drawing/2014/main" id="{D7B4B5C0-5C6A-07C2-F0EC-722694B9F59F}"/>
+            </a:ext>
+          </a:extLst>
+        </p:cNvPr>
+        <p:cNvGrpSpPr/>
+        <p:nvPr/>
+      </p:nvGrpSpPr>
+      <p:grpSpPr>
+        <a:xfrm>
+          <a:off x="0" y="0"/>
+          <a:ext cx="0" cy="0"/>
+          <a:chOff x="0" y="0"/>
+          <a:chExt cx="0" cy="0"/>
+        </a:xfrm>
+      </p:grpSpPr>
+      <p:sp>
+        <p:nvSpPr>
+          <p:cNvPr id="2" name="Slide Image Placeholder 1">
+            <a:extLst>
+              <a:ext uri="{FF2B5EF4-FFF2-40B4-BE49-F238E27FC236}">
+                <a16:creationId xmlns:a16="http://schemas.microsoft.com/office/drawing/2014/main" id="{DB344E03-2EA9-BDE0-164A-0E2EFDB16940}"/>
+              </a:ext>
+            </a:extLst>
+          </p:cNvPr>
+          <p:cNvSpPr>
+            <a:spLocks noGrp="1" noRot="1" noChangeAspect="1"/>
+          </p:cNvSpPr>
+          <p:nvPr>
+            <p:ph type="sldImg"/>
+          </p:nvPr>
+        </p:nvSpPr>
+        <p:spPr/>
+      </p:sp>
+      <p:sp>
+        <p:nvSpPr>
+          <p:cNvPr id="3" name="Notes Placeholder 2">
+            <a:extLst>
+              <a:ext uri="{FF2B5EF4-FFF2-40B4-BE49-F238E27FC236}">
+                <a16:creationId xmlns:a16="http://schemas.microsoft.com/office/drawing/2014/main" id="{F602386F-571F-98CD-C58A-3C96028DC08C}"/>
+              </a:ext>
+            </a:extLst>
+          </p:cNvPr>
+          <p:cNvSpPr>
+            <a:spLocks noGrp="1"/>
+          </p:cNvSpPr>
+          <p:nvPr>
+            <p:ph type="body" idx="1"/>
+          </p:nvPr>
+        </p:nvSpPr>
+        <p:spPr/>
+        <p:txBody>
+          <a:bodyPr/>
+          <a:lstStyle/>
+          <a:p>
+            <a:r>
+              <a:rPr lang="en-US" altLang="zh-CN" dirty="0"/>
+              <a:t>Q2 in the first set of manipulation questions in each block. </a:t>
+            </a:r>
+          </a:p>
+        </p:txBody>
+      </p:sp>
+      <p:sp>
+        <p:nvSpPr>
+          <p:cNvPr id="4" name="Slide Number Placeholder 3">
+            <a:extLst>
+              <a:ext uri="{FF2B5EF4-FFF2-40B4-BE49-F238E27FC236}">
+                <a16:creationId xmlns:a16="http://schemas.microsoft.com/office/drawing/2014/main" id="{BEF93043-48AD-591F-4123-4A345072A658}"/>
+              </a:ext>
+            </a:extLst>
+          </p:cNvPr>
+          <p:cNvSpPr>
+            <a:spLocks noGrp="1"/>
+          </p:cNvSpPr>
+          <p:nvPr>
+            <p:ph type="sldNum" sz="quarter" idx="5"/>
+          </p:nvPr>
+        </p:nvSpPr>
+        <p:spPr/>
+        <p:txBody>
+          <a:bodyPr/>
+          <a:lstStyle/>
+          <a:p>
+            <a:fld id="{5807BC3C-6967-BF40-A292-C94745E4376C}" type="slidenum">
+              <a:rPr lang="en-US" smtClean="0"/>
+              <a:t>6</a:t>
+            </a:fld>
+            <a:endParaRPr lang="en-US"/>
+          </a:p>
+        </p:txBody>
+      </p:sp>
+    </p:spTree>
+    <p:extLst>
+      <p:ext uri="{BB962C8B-B14F-4D97-AF65-F5344CB8AC3E}">
+        <p14:creationId xmlns:p14="http://schemas.microsoft.com/office/powerpoint/2010/main" val="4265037724"/>
+      </p:ext>
+    </p:extLst>
+  </p:cSld>
+  <p:clrMapOvr>
+    <a:masterClrMapping/>
+  </p:clrMapOvr>
+</p:notes>
+</file>
+
+<file path=ppt/notesSlides/notesSlide6.xml><?xml version="1.0" encoding="utf-8"?>
+<p:notes xmlns:a="http://schemas.openxmlformats.org/drawingml/2006/main" xmlns:r="http://schemas.openxmlformats.org/officeDocument/2006/relationships" xmlns:p="http://schemas.openxmlformats.org/presentationml/2006/main">
+  <p:cSld>
+    <p:spTree>
+      <p:nvGrpSpPr>
+        <p:cNvPr id="1" name="">
+          <a:extLst>
+            <a:ext uri="{FF2B5EF4-FFF2-40B4-BE49-F238E27FC236}">
+              <a16:creationId xmlns:a16="http://schemas.microsoft.com/office/drawing/2014/main" id="{1395B7F4-4E26-ACF7-8E90-C375AE49C8CC}"/>
+            </a:ext>
+          </a:extLst>
+        </p:cNvPr>
+        <p:cNvGrpSpPr/>
+        <p:nvPr/>
+      </p:nvGrpSpPr>
+      <p:grpSpPr>
+        <a:xfrm>
+          <a:off x="0" y="0"/>
+          <a:ext cx="0" cy="0"/>
+          <a:chOff x="0" y="0"/>
+          <a:chExt cx="0" cy="0"/>
+        </a:xfrm>
+      </p:grpSpPr>
+      <p:sp>
+        <p:nvSpPr>
+          <p:cNvPr id="2" name="Slide Image Placeholder 1">
+            <a:extLst>
+              <a:ext uri="{FF2B5EF4-FFF2-40B4-BE49-F238E27FC236}">
+                <a16:creationId xmlns:a16="http://schemas.microsoft.com/office/drawing/2014/main" id="{768F40B7-10F1-E303-12FE-7D050ADA2BAD}"/>
+              </a:ext>
+            </a:extLst>
+          </p:cNvPr>
+          <p:cNvSpPr>
+            <a:spLocks noGrp="1" noRot="1" noChangeAspect="1"/>
+          </p:cNvSpPr>
+          <p:nvPr>
+            <p:ph type="sldImg"/>
+          </p:nvPr>
+        </p:nvSpPr>
+        <p:spPr/>
+      </p:sp>
+      <p:sp>
+        <p:nvSpPr>
+          <p:cNvPr id="3" name="Notes Placeholder 2">
+            <a:extLst>
+              <a:ext uri="{FF2B5EF4-FFF2-40B4-BE49-F238E27FC236}">
+                <a16:creationId xmlns:a16="http://schemas.microsoft.com/office/drawing/2014/main" id="{9330A211-D3B5-9101-AD83-7B833F6959AF}"/>
+              </a:ext>
+            </a:extLst>
+          </p:cNvPr>
+          <p:cNvSpPr>
+            <a:spLocks noGrp="1"/>
+          </p:cNvSpPr>
+          <p:nvPr>
+            <p:ph type="body" idx="1"/>
+          </p:nvPr>
+        </p:nvSpPr>
+        <p:spPr/>
+        <p:txBody>
+          <a:bodyPr/>
+          <a:lstStyle/>
+          <a:p>
+            <a:pPr marL="0" indent="0">
+              <a:buNone/>
+            </a:pPr>
+            <a:r>
+              <a:rPr lang="en-US" altLang="zh-CN" dirty="0"/>
+              <a:t>A</a:t>
+            </a:r>
+            <a:r>
+              <a:rPr lang="en-US" dirty="0"/>
+              <a:t> reward bar will show the total </a:t>
+            </a:r>
+            <a:r>
+              <a:rPr lang="en-US" altLang="zh-CN" dirty="0"/>
+              <a:t>stars</a:t>
+            </a:r>
+            <a:r>
+              <a:rPr lang="en-US" dirty="0"/>
+              <a:t> that you have earned. </a:t>
+            </a:r>
+          </a:p>
+          <a:p>
+            <a:pPr marL="0" marR="0" lvl="0" indent="0" algn="l" defTabSz="914400" rtl="0" eaLnBrk="1" fontAlgn="auto" latinLnBrk="0" hangingPunct="1">
+              <a:lnSpc>
+                <a:spcPct val="100000"/>
+              </a:lnSpc>
+              <a:spcBef>
+                <a:spcPts val="0"/>
+              </a:spcBef>
+              <a:spcAft>
+                <a:spcPts val="0"/>
+              </a:spcAft>
+              <a:buClrTx/>
+              <a:buSzTx/>
+              <a:buFontTx/>
+              <a:buNone/>
+              <a:tabLst/>
+              <a:defRPr/>
+            </a:pPr>
+            <a:r>
+              <a:rPr lang="en-US" altLang="zh-CN" dirty="0"/>
+              <a:t>[click</a:t>
+            </a:r>
+            <a:r>
+              <a:rPr lang="zh-CN" altLang="en-US" dirty="0"/>
+              <a:t> </a:t>
+            </a:r>
+            <a:r>
+              <a:rPr lang="en-US" altLang="zh-CN" dirty="0"/>
+              <a:t>for</a:t>
+            </a:r>
+            <a:r>
+              <a:rPr lang="zh-CN" altLang="en-US" dirty="0"/>
+              <a:t> </a:t>
+            </a:r>
+            <a:r>
+              <a:rPr lang="en-US" altLang="zh-CN" dirty="0"/>
+              <a:t>effect]</a:t>
+            </a:r>
+          </a:p>
+          <a:p>
+            <a:pPr marL="0" indent="0">
+              <a:buNone/>
+            </a:pPr>
+            <a:endParaRPr lang="en-US" dirty="0"/>
+          </a:p>
+        </p:txBody>
+      </p:sp>
+      <p:sp>
+        <p:nvSpPr>
+          <p:cNvPr id="4" name="Slide Number Placeholder 3">
+            <a:extLst>
+              <a:ext uri="{FF2B5EF4-FFF2-40B4-BE49-F238E27FC236}">
+                <a16:creationId xmlns:a16="http://schemas.microsoft.com/office/drawing/2014/main" id="{A35C25EB-8672-63B2-AB9F-472C1D47BAB0}"/>
+              </a:ext>
+            </a:extLst>
+          </p:cNvPr>
+          <p:cNvSpPr>
+            <a:spLocks noGrp="1"/>
+          </p:cNvSpPr>
+          <p:nvPr>
+            <p:ph type="sldNum" sz="quarter" idx="5"/>
+          </p:nvPr>
+        </p:nvSpPr>
+        <p:spPr/>
+        <p:txBody>
+          <a:bodyPr/>
+          <a:lstStyle/>
+          <a:p>
+            <a:pPr marL="0" marR="0" lvl="0" indent="0" algn="r" defTabSz="914400" rtl="0" eaLnBrk="1" fontAlgn="auto" latinLnBrk="0" hangingPunct="1">
+              <a:lnSpc>
+                <a:spcPct val="100000"/>
+              </a:lnSpc>
+              <a:spcBef>
+                <a:spcPts val="0"/>
+              </a:spcBef>
+              <a:spcAft>
+                <a:spcPts val="0"/>
+              </a:spcAft>
+              <a:buClrTx/>
+              <a:buSzTx/>
+              <a:buFontTx/>
+              <a:buNone/>
+              <a:tabLst/>
+              <a:defRPr/>
+            </a:pPr>
+            <a:fld id="{163F1028-65D3-1A45-9B38-3C7C20421446}" type="slidenum">
+              <a:rPr kumimoji="0" lang="en-US" sz="1200" b="0" i="0" u="none" strike="noStrike" kern="1200" cap="none" spc="0" normalizeH="0" baseline="0" noProof="0" smtClean="0">
+                <a:ln>
+                  <a:noFill/>
+                </a:ln>
+                <a:solidFill>
+                  <a:prstClr val="black"/>
+                </a:solidFill>
+                <a:effectLst/>
+                <a:uLnTx/>
+                <a:uFillTx/>
+                <a:latin typeface="Calibri" panose="020F0502020204030204"/>
+                <a:ea typeface="+mn-ea"/>
+                <a:cs typeface="+mn-cs"/>
+              </a:rPr>
+              <a:pPr marL="0" marR="0" lvl="0" indent="0" algn="r" defTabSz="914400" rtl="0" eaLnBrk="1" fontAlgn="auto" latinLnBrk="0" hangingPunct="1">
+                <a:lnSpc>
+                  <a:spcPct val="100000"/>
+                </a:lnSpc>
+                <a:spcBef>
+                  <a:spcPts val="0"/>
+                </a:spcBef>
+                <a:spcAft>
+                  <a:spcPts val="0"/>
+                </a:spcAft>
+                <a:buClrTx/>
+                <a:buSzTx/>
+                <a:buFontTx/>
+                <a:buNone/>
+                <a:tabLst/>
+                <a:defRPr/>
+              </a:pPr>
+              <a:t>7</a:t>
+            </a:fld>
+            <a:endParaRPr kumimoji="0" lang="en-US" sz="1200" b="0" i="0" u="none" strike="noStrike" kern="1200" cap="none" spc="0" normalizeH="0" baseline="0" noProof="0">
+              <a:ln>
+                <a:noFill/>
+              </a:ln>
+              <a:solidFill>
+                <a:prstClr val="black"/>
+              </a:solidFill>
+              <a:effectLst/>
+              <a:uLnTx/>
+              <a:uFillTx/>
+              <a:latin typeface="Calibri" panose="020F0502020204030204"/>
+              <a:ea typeface="+mn-ea"/>
+              <a:cs typeface="+mn-cs"/>
+            </a:endParaRPr>
+          </a:p>
+        </p:txBody>
+      </p:sp>
+    </p:spTree>
+    <p:extLst>
+      <p:ext uri="{BB962C8B-B14F-4D97-AF65-F5344CB8AC3E}">
+        <p14:creationId xmlns:p14="http://schemas.microsoft.com/office/powerpoint/2010/main" val="2387983503"/>
+      </p:ext>
+    </p:extLst>
+  </p:cSld>
+  <p:clrMapOvr>
+    <a:masterClrMapping/>
+  </p:clrMapOvr>
+</p:notes>
+</file>
+
 <file path=ppt/slideLayouts/slideLayout1.xml><?xml version="1.0" encoding="utf-8"?>
 <p:sldLayout xmlns:a="http://schemas.openxmlformats.org/drawingml/2006/main" xmlns:r="http://schemas.openxmlformats.org/officeDocument/2006/relationships" xmlns:p="http://schemas.openxmlformats.org/presentationml/2006/main" type="title" preserve="1">
   <p:cSld name="Title Slide">
@@ -2697,7 +3293,7 @@
           <a:p>
             <a:fld id="{5D34ABCA-B847-7343-9E7F-009554B09717}" type="datetimeFigureOut">
               <a:rPr lang="en-US" smtClean="0"/>
-              <a:t>1/31/24</a:t>
+              <a:t>4/3/24</a:t>
             </a:fld>
             <a:endParaRPr lang="en-US"/>
           </a:p>
@@ -2895,7 +3491,7 @@
           <a:p>
             <a:fld id="{5D34ABCA-B847-7343-9E7F-009554B09717}" type="datetimeFigureOut">
               <a:rPr lang="en-US" smtClean="0"/>
-              <a:t>1/31/24</a:t>
+              <a:t>4/3/24</a:t>
             </a:fld>
             <a:endParaRPr lang="en-US"/>
           </a:p>
@@ -3103,7 +3699,7 @@
           <a:p>
             <a:fld id="{5D34ABCA-B847-7343-9E7F-009554B09717}" type="datetimeFigureOut">
               <a:rPr lang="en-US" smtClean="0"/>
-              <a:t>1/31/24</a:t>
+              <a:t>4/3/24</a:t>
             </a:fld>
             <a:endParaRPr lang="en-US"/>
           </a:p>
@@ -3301,7 +3897,7 @@
           <a:p>
             <a:fld id="{5D34ABCA-B847-7343-9E7F-009554B09717}" type="datetimeFigureOut">
               <a:rPr lang="en-US" smtClean="0"/>
-              <a:t>1/31/24</a:t>
+              <a:t>4/3/24</a:t>
             </a:fld>
             <a:endParaRPr lang="en-US"/>
           </a:p>
@@ -3576,7 +4172,7 @@
           <a:p>
             <a:fld id="{5D34ABCA-B847-7343-9E7F-009554B09717}" type="datetimeFigureOut">
               <a:rPr lang="en-US" smtClean="0"/>
-              <a:t>1/31/24</a:t>
+              <a:t>4/3/24</a:t>
             </a:fld>
             <a:endParaRPr lang="en-US"/>
           </a:p>
@@ -3841,7 +4437,7 @@
           <a:p>
             <a:fld id="{5D34ABCA-B847-7343-9E7F-009554B09717}" type="datetimeFigureOut">
               <a:rPr lang="en-US" smtClean="0"/>
-              <a:t>1/31/24</a:t>
+              <a:t>4/3/24</a:t>
             </a:fld>
             <a:endParaRPr lang="en-US"/>
           </a:p>
@@ -4253,7 +4849,7 @@
           <a:p>
             <a:fld id="{5D34ABCA-B847-7343-9E7F-009554B09717}" type="datetimeFigureOut">
               <a:rPr lang="en-US" smtClean="0"/>
-              <a:t>1/31/24</a:t>
+              <a:t>4/3/24</a:t>
             </a:fld>
             <a:endParaRPr lang="en-US"/>
           </a:p>
@@ -4394,7 +4990,7 @@
           <a:p>
             <a:fld id="{5D34ABCA-B847-7343-9E7F-009554B09717}" type="datetimeFigureOut">
               <a:rPr lang="en-US" smtClean="0"/>
-              <a:t>1/31/24</a:t>
+              <a:t>4/3/24</a:t>
             </a:fld>
             <a:endParaRPr lang="en-US"/>
           </a:p>
@@ -4507,7 +5103,7 @@
           <a:p>
             <a:fld id="{5D34ABCA-B847-7343-9E7F-009554B09717}" type="datetimeFigureOut">
               <a:rPr lang="en-US" smtClean="0"/>
-              <a:t>1/31/24</a:t>
+              <a:t>4/3/24</a:t>
             </a:fld>
             <a:endParaRPr lang="en-US"/>
           </a:p>
@@ -4818,7 +5414,7 @@
           <a:p>
             <a:fld id="{5D34ABCA-B847-7343-9E7F-009554B09717}" type="datetimeFigureOut">
               <a:rPr lang="en-US" smtClean="0"/>
-              <a:t>1/31/24</a:t>
+              <a:t>4/3/24</a:t>
             </a:fld>
             <a:endParaRPr lang="en-US"/>
           </a:p>
@@ -5106,7 +5702,7 @@
           <a:p>
             <a:fld id="{5D34ABCA-B847-7343-9E7F-009554B09717}" type="datetimeFigureOut">
               <a:rPr lang="en-US" smtClean="0"/>
-              <a:t>1/31/24</a:t>
+              <a:t>4/3/24</a:t>
             </a:fld>
             <a:endParaRPr lang="en-US"/>
           </a:p>
@@ -5347,7 +5943,7 @@
           <a:p>
             <a:fld id="{5D34ABCA-B847-7343-9E7F-009554B09717}" type="datetimeFigureOut">
               <a:rPr lang="en-US" smtClean="0"/>
-              <a:t>1/31/24</a:t>
+              <a:t>4/3/24</a:t>
             </a:fld>
             <a:endParaRPr lang="en-US"/>
           </a:p>
@@ -6079,11 +6675,11 @@
   <p:clrMapOvr>
     <a:masterClrMapping/>
   </p:clrMapOvr>
-  <mc:AlternateContent xmlns:mc="http://schemas.openxmlformats.org/markup-compatibility/2006">
-    <mc:Choice xmlns:p14="http://schemas.microsoft.com/office/powerpoint/2010/main" Requires="p14">
+  <mc:AlternateContent xmlns:mc="http://schemas.openxmlformats.org/markup-compatibility/2006" xmlns:p14="http://schemas.microsoft.com/office/powerpoint/2010/main">
+    <mc:Choice Requires="p14">
       <p:transition spd="slow" p14:dur="2000" advTm="35660"/>
     </mc:Choice>
-    <mc:Fallback>
+    <mc:Fallback xmlns="">
       <p:transition spd="slow" advTm="35660"/>
     </mc:Fallback>
   </mc:AlternateContent>
@@ -7155,11 +7751,11 @@
   <p:clrMapOvr>
     <a:masterClrMapping/>
   </p:clrMapOvr>
-  <mc:AlternateContent xmlns:mc="http://schemas.openxmlformats.org/markup-compatibility/2006">
-    <mc:Choice xmlns:p14="http://schemas.microsoft.com/office/powerpoint/2010/main" Requires="p14">
+  <mc:AlternateContent xmlns:mc="http://schemas.openxmlformats.org/markup-compatibility/2006" xmlns:p14="http://schemas.microsoft.com/office/powerpoint/2010/main">
+    <mc:Choice Requires="p14">
       <p:transition spd="slow" p14:dur="2000" advTm="15303"/>
     </mc:Choice>
-    <mc:Fallback>
+    <mc:Fallback xmlns="">
       <p:transition spd="slow" advTm="15303"/>
     </mc:Fallback>
   </mc:AlternateContent>
@@ -8521,11 +9117,11 @@
   <p:clrMapOvr>
     <a:masterClrMapping/>
   </p:clrMapOvr>
-  <mc:AlternateContent xmlns:mc="http://schemas.openxmlformats.org/markup-compatibility/2006">
-    <mc:Choice xmlns:p14="http://schemas.microsoft.com/office/powerpoint/2010/main" Requires="p14">
+  <mc:AlternateContent xmlns:mc="http://schemas.openxmlformats.org/markup-compatibility/2006" xmlns:p14="http://schemas.microsoft.com/office/powerpoint/2010/main">
+    <mc:Choice Requires="p14">
       <p:transition spd="slow" p14:dur="2000" advTm="27150"/>
     </mc:Choice>
-    <mc:Fallback>
+    <mc:Fallback xmlns="">
       <p:transition spd="slow" advTm="27150"/>
     </mc:Fallback>
   </mc:AlternateContent>
@@ -9297,11 +9893,11 @@
   <p:clrMapOvr>
     <a:masterClrMapping/>
   </p:clrMapOvr>
-  <mc:AlternateContent xmlns:mc="http://schemas.openxmlformats.org/markup-compatibility/2006">
-    <mc:Choice xmlns:p14="http://schemas.microsoft.com/office/powerpoint/2010/main" Requires="p14">
+  <mc:AlternateContent xmlns:mc="http://schemas.openxmlformats.org/markup-compatibility/2006" xmlns:p14="http://schemas.microsoft.com/office/powerpoint/2010/main">
+    <mc:Choice Requires="p14">
       <p:transition spd="slow" p14:dur="2000" advTm="12277"/>
     </mc:Choice>
-    <mc:Fallback>
+    <mc:Fallback xmlns="">
       <p:transition spd="slow" advTm="12277"/>
     </mc:Fallback>
   </mc:AlternateContent>
@@ -9541,6 +10137,1587 @@
 </p:sld>
 </file>
 
+<file path=ppt/slides/slide5.xml><?xml version="1.0" encoding="utf-8"?>
+<p:sld xmlns:a="http://schemas.openxmlformats.org/drawingml/2006/main" xmlns:r="http://schemas.openxmlformats.org/officeDocument/2006/relationships" xmlns:p="http://schemas.openxmlformats.org/presentationml/2006/main">
+  <p:cSld>
+    <p:spTree>
+      <p:nvGrpSpPr>
+        <p:cNvPr id="1" name=""/>
+        <p:cNvGrpSpPr/>
+        <p:nvPr/>
+      </p:nvGrpSpPr>
+      <p:grpSpPr>
+        <a:xfrm>
+          <a:off x="0" y="0"/>
+          <a:ext cx="0" cy="0"/>
+          <a:chOff x="0" y="0"/>
+          <a:chExt cx="0" cy="0"/>
+        </a:xfrm>
+      </p:grpSpPr>
+    </p:spTree>
+    <p:extLst>
+      <p:ext uri="{BB962C8B-B14F-4D97-AF65-F5344CB8AC3E}">
+        <p14:creationId xmlns:p14="http://schemas.microsoft.com/office/powerpoint/2010/main" val="1781244428"/>
+      </p:ext>
+    </p:extLst>
+  </p:cSld>
+  <p:clrMapOvr>
+    <a:masterClrMapping/>
+  </p:clrMapOvr>
+</p:sld>
+</file>
+
+<file path=ppt/slides/slide6.xml><?xml version="1.0" encoding="utf-8"?>
+<p:sld xmlns:a="http://schemas.openxmlformats.org/drawingml/2006/main" xmlns:r="http://schemas.openxmlformats.org/officeDocument/2006/relationships" xmlns:p="http://schemas.openxmlformats.org/presentationml/2006/main">
+  <p:cSld>
+    <p:spTree>
+      <p:nvGrpSpPr>
+        <p:cNvPr id="1" name="">
+          <a:extLst>
+            <a:ext uri="{FF2B5EF4-FFF2-40B4-BE49-F238E27FC236}">
+              <a16:creationId xmlns:a16="http://schemas.microsoft.com/office/drawing/2014/main" id="{BBDC48A4-3752-7563-34AD-DEB86B0DA1C8}"/>
+            </a:ext>
+          </a:extLst>
+        </p:cNvPr>
+        <p:cNvGrpSpPr/>
+        <p:nvPr/>
+      </p:nvGrpSpPr>
+      <p:grpSpPr>
+        <a:xfrm>
+          <a:off x="0" y="0"/>
+          <a:ext cx="0" cy="0"/>
+          <a:chOff x="0" y="0"/>
+          <a:chExt cx="0" cy="0"/>
+        </a:xfrm>
+      </p:grpSpPr>
+      <p:sp>
+        <p:nvSpPr>
+          <p:cNvPr id="2" name="TextBox 1">
+            <a:extLst>
+              <a:ext uri="{FF2B5EF4-FFF2-40B4-BE49-F238E27FC236}">
+                <a16:creationId xmlns:a16="http://schemas.microsoft.com/office/drawing/2014/main" id="{4F9EDF39-568B-FD31-463C-8FA34CCD58F6}"/>
+              </a:ext>
+            </a:extLst>
+          </p:cNvPr>
+          <p:cNvSpPr txBox="1"/>
+          <p:nvPr/>
+        </p:nvSpPr>
+        <p:spPr>
+          <a:xfrm>
+            <a:off x="1495348" y="1075323"/>
+            <a:ext cx="9700195" cy="369332"/>
+          </a:xfrm>
+          <a:prstGeom prst="rect">
+            <a:avLst/>
+          </a:prstGeom>
+          <a:noFill/>
+        </p:spPr>
+        <p:txBody>
+          <a:bodyPr wrap="square" rtlCol="0">
+            <a:spAutoFit/>
+          </a:bodyPr>
+          <a:lstStyle/>
+          <a:p>
+            <a:pPr algn="ctr"/>
+            <a:r>
+              <a:rPr lang="en-US" altLang="zh-CN" b="0" i="0" dirty="0">
+                <a:solidFill>
+                  <a:srgbClr val="000000"/>
+                </a:solidFill>
+                <a:effectLst/>
+                <a:latin typeface="Open Sans" panose="020B0606030504020204" pitchFamily="34" charset="0"/>
+              </a:rPr>
+              <a:t>Did</a:t>
+            </a:r>
+            <a:r>
+              <a:rPr lang="zh-CN" altLang="en-US" b="0" i="0" dirty="0">
+                <a:solidFill>
+                  <a:srgbClr val="000000"/>
+                </a:solidFill>
+                <a:effectLst/>
+                <a:latin typeface="Open Sans" panose="020B0606030504020204" pitchFamily="34" charset="0"/>
+              </a:rPr>
+              <a:t> </a:t>
+            </a:r>
+            <a:r>
+              <a:rPr lang="en-US" altLang="zh-CN" dirty="0">
+                <a:solidFill>
+                  <a:srgbClr val="000000"/>
+                </a:solidFill>
+                <a:latin typeface="Open Sans" panose="020B0606030504020204" pitchFamily="34" charset="0"/>
+              </a:rPr>
+              <a:t>the winning card</a:t>
+            </a:r>
+            <a:r>
+              <a:rPr lang="zh-CN" altLang="en-US" b="0" i="0" dirty="0">
+                <a:solidFill>
+                  <a:srgbClr val="000000"/>
+                </a:solidFill>
+                <a:effectLst/>
+                <a:latin typeface="Open Sans" panose="020B0606030504020204" pitchFamily="34" charset="0"/>
+              </a:rPr>
+              <a:t> </a:t>
+            </a:r>
+            <a:r>
+              <a:rPr lang="en-US" altLang="zh-CN" b="0" i="0" dirty="0">
+                <a:solidFill>
+                  <a:srgbClr val="000000"/>
+                </a:solidFill>
+                <a:effectLst/>
+                <a:latin typeface="Open Sans" panose="020B0606030504020204" pitchFamily="34" charset="0"/>
+              </a:rPr>
+              <a:t>switch</a:t>
+            </a:r>
+            <a:r>
+              <a:rPr lang="zh-CN" altLang="en-US" b="0" i="0" dirty="0">
+                <a:solidFill>
+                  <a:srgbClr val="000000"/>
+                </a:solidFill>
+                <a:effectLst/>
+                <a:latin typeface="Open Sans" panose="020B0606030504020204" pitchFamily="34" charset="0"/>
+              </a:rPr>
+              <a:t> </a:t>
+            </a:r>
+            <a:r>
+              <a:rPr lang="en-US" altLang="zh-CN" b="0" i="0" dirty="0">
+                <a:solidFill>
+                  <a:srgbClr val="000000"/>
+                </a:solidFill>
+                <a:effectLst/>
+                <a:latin typeface="Open Sans" panose="020B0606030504020204" pitchFamily="34" charset="0"/>
+              </a:rPr>
+              <a:t>in</a:t>
+            </a:r>
+            <a:r>
+              <a:rPr lang="zh-CN" altLang="en-US" b="0" i="0" dirty="0">
+                <a:solidFill>
+                  <a:srgbClr val="000000"/>
+                </a:solidFill>
+                <a:effectLst/>
+                <a:latin typeface="Open Sans" panose="020B0606030504020204" pitchFamily="34" charset="0"/>
+              </a:rPr>
+              <a:t> </a:t>
+            </a:r>
+            <a:r>
+              <a:rPr lang="en-US" altLang="zh-CN" b="0" i="0" dirty="0">
+                <a:solidFill>
+                  <a:srgbClr val="000000"/>
+                </a:solidFill>
+                <a:effectLst/>
+                <a:latin typeface="Open Sans" panose="020B0606030504020204" pitchFamily="34" charset="0"/>
+              </a:rPr>
+              <a:t>the</a:t>
+            </a:r>
+            <a:r>
+              <a:rPr lang="zh-CN" altLang="en-US" b="0" i="0" dirty="0">
+                <a:solidFill>
+                  <a:srgbClr val="000000"/>
+                </a:solidFill>
+                <a:effectLst/>
+                <a:latin typeface="Open Sans" panose="020B0606030504020204" pitchFamily="34" charset="0"/>
+              </a:rPr>
+              <a:t> </a:t>
+            </a:r>
+            <a:r>
+              <a:rPr lang="en-US" altLang="zh-CN" b="0" i="0" dirty="0">
+                <a:solidFill>
+                  <a:srgbClr val="000000"/>
+                </a:solidFill>
+                <a:effectLst/>
+                <a:latin typeface="Open Sans" panose="020B0606030504020204" pitchFamily="34" charset="0"/>
+              </a:rPr>
+              <a:t>past</a:t>
+            </a:r>
+            <a:r>
+              <a:rPr lang="zh-CN" altLang="en-US" b="0" i="0" dirty="0">
+                <a:solidFill>
+                  <a:srgbClr val="000000"/>
+                </a:solidFill>
+                <a:effectLst/>
+                <a:latin typeface="Open Sans" panose="020B0606030504020204" pitchFamily="34" charset="0"/>
+              </a:rPr>
+              <a:t> </a:t>
+            </a:r>
+            <a:r>
+              <a:rPr lang="en-US" altLang="zh-CN" b="0" i="0" dirty="0">
+                <a:solidFill>
+                  <a:srgbClr val="000000"/>
+                </a:solidFill>
+                <a:effectLst/>
+                <a:latin typeface="Open Sans" panose="020B0606030504020204" pitchFamily="34" charset="0"/>
+              </a:rPr>
+              <a:t>few</a:t>
+            </a:r>
+            <a:r>
+              <a:rPr lang="zh-CN" altLang="en-US" b="0" i="0" dirty="0">
+                <a:solidFill>
+                  <a:srgbClr val="000000"/>
+                </a:solidFill>
+                <a:effectLst/>
+                <a:latin typeface="Open Sans" panose="020B0606030504020204" pitchFamily="34" charset="0"/>
+              </a:rPr>
+              <a:t> </a:t>
+            </a:r>
+            <a:r>
+              <a:rPr lang="en-US" altLang="zh-CN" b="0" i="0" dirty="0">
+                <a:solidFill>
+                  <a:srgbClr val="000000"/>
+                </a:solidFill>
+                <a:effectLst/>
+                <a:latin typeface="Open Sans" panose="020B0606030504020204" pitchFamily="34" charset="0"/>
+              </a:rPr>
+              <a:t>turns?</a:t>
+            </a:r>
+            <a:r>
+              <a:rPr lang="en-US" b="0" i="0" dirty="0">
+                <a:solidFill>
+                  <a:srgbClr val="8B0000"/>
+                </a:solidFill>
+                <a:effectLst/>
+                <a:latin typeface="Open Sans" panose="020B0606030504020204" pitchFamily="34" charset="0"/>
+              </a:rPr>
+              <a:t>*</a:t>
+            </a:r>
+            <a:endParaRPr lang="en-US" b="0" i="0" dirty="0">
+              <a:solidFill>
+                <a:srgbClr val="000000"/>
+              </a:solidFill>
+              <a:effectLst/>
+              <a:latin typeface="Open Sans" panose="020B0606030504020204" pitchFamily="34" charset="0"/>
+            </a:endParaRPr>
+          </a:p>
+        </p:txBody>
+      </p:sp>
+      <p:sp>
+        <p:nvSpPr>
+          <p:cNvPr id="3" name="Rectangle 2">
+            <a:extLst>
+              <a:ext uri="{FF2B5EF4-FFF2-40B4-BE49-F238E27FC236}">
+                <a16:creationId xmlns:a16="http://schemas.microsoft.com/office/drawing/2014/main" id="{74349F66-BEA4-6ABE-5DD3-3B65790AE7CE}"/>
+              </a:ext>
+            </a:extLst>
+          </p:cNvPr>
+          <p:cNvSpPr>
+            <a:spLocks noChangeAspect="1"/>
+          </p:cNvSpPr>
+          <p:nvPr/>
+        </p:nvSpPr>
+        <p:spPr>
+          <a:xfrm>
+            <a:off x="7276083" y="2011680"/>
+            <a:ext cx="2355063" cy="2834640"/>
+          </a:xfrm>
+          <a:prstGeom prst="rect">
+            <a:avLst/>
+          </a:prstGeom>
+        </p:spPr>
+        <p:style>
+          <a:lnRef idx="2">
+            <a:schemeClr val="accent6">
+              <a:shade val="50000"/>
+            </a:schemeClr>
+          </a:lnRef>
+          <a:fillRef idx="1">
+            <a:schemeClr val="accent6"/>
+          </a:fillRef>
+          <a:effectRef idx="0">
+            <a:schemeClr val="accent6"/>
+          </a:effectRef>
+          <a:fontRef idx="minor">
+            <a:schemeClr val="lt1"/>
+          </a:fontRef>
+        </p:style>
+        <p:txBody>
+          <a:bodyPr rtlCol="0" anchor="ctr"/>
+          <a:lstStyle/>
+          <a:p>
+            <a:pPr rtl="0">
+              <a:spcBef>
+                <a:spcPts val="0"/>
+              </a:spcBef>
+              <a:spcAft>
+                <a:spcPts val="0"/>
+              </a:spcAft>
+            </a:pPr>
+            <a:endParaRPr lang="en-US" sz="5400" b="0" dirty="0">
+              <a:effectLst/>
+            </a:endParaRPr>
+          </a:p>
+        </p:txBody>
+      </p:sp>
+      <p:sp>
+        <p:nvSpPr>
+          <p:cNvPr id="4" name="Rectangle 3">
+            <a:extLst>
+              <a:ext uri="{FF2B5EF4-FFF2-40B4-BE49-F238E27FC236}">
+                <a16:creationId xmlns:a16="http://schemas.microsoft.com/office/drawing/2014/main" id="{81DF174B-3BC5-3ABF-8FAA-B3BF3EF6562C}"/>
+              </a:ext>
+            </a:extLst>
+          </p:cNvPr>
+          <p:cNvSpPr>
+            <a:spLocks noChangeAspect="1"/>
+          </p:cNvSpPr>
+          <p:nvPr/>
+        </p:nvSpPr>
+        <p:spPr>
+          <a:xfrm>
+            <a:off x="2309130" y="2011680"/>
+            <a:ext cx="2355063" cy="2834640"/>
+          </a:xfrm>
+          <a:prstGeom prst="rect">
+            <a:avLst/>
+          </a:prstGeom>
+        </p:spPr>
+        <p:style>
+          <a:lnRef idx="1">
+            <a:schemeClr val="accent1"/>
+          </a:lnRef>
+          <a:fillRef idx="3">
+            <a:schemeClr val="accent1"/>
+          </a:fillRef>
+          <a:effectRef idx="2">
+            <a:schemeClr val="accent1"/>
+          </a:effectRef>
+          <a:fontRef idx="minor">
+            <a:schemeClr val="lt1"/>
+          </a:fontRef>
+        </p:style>
+        <p:txBody>
+          <a:bodyPr rtlCol="0" anchor="ctr"/>
+          <a:lstStyle/>
+          <a:p>
+            <a:pPr algn="ctr"/>
+            <a:endParaRPr lang="en-US" dirty="0"/>
+          </a:p>
+        </p:txBody>
+      </p:sp>
+      <p:grpSp>
+        <p:nvGrpSpPr>
+          <p:cNvPr id="10" name="Group 9">
+            <a:extLst>
+              <a:ext uri="{FF2B5EF4-FFF2-40B4-BE49-F238E27FC236}">
+                <a16:creationId xmlns:a16="http://schemas.microsoft.com/office/drawing/2014/main" id="{44969723-4F1B-ADEC-46AF-D27E7DB64DC9}"/>
+              </a:ext>
+            </a:extLst>
+          </p:cNvPr>
+          <p:cNvGrpSpPr/>
+          <p:nvPr/>
+        </p:nvGrpSpPr>
+        <p:grpSpPr>
+          <a:xfrm>
+            <a:off x="3719488" y="5276529"/>
+            <a:ext cx="5002486" cy="750548"/>
+            <a:chOff x="4411145" y="5042069"/>
+            <a:chExt cx="5002486" cy="750548"/>
+          </a:xfrm>
+        </p:grpSpPr>
+        <p:sp>
+          <p:nvSpPr>
+            <p:cNvPr id="7" name="Oval 6">
+              <a:extLst>
+                <a:ext uri="{FF2B5EF4-FFF2-40B4-BE49-F238E27FC236}">
+                  <a16:creationId xmlns:a16="http://schemas.microsoft.com/office/drawing/2014/main" id="{D9ED1BEE-1CB0-A9D2-1CBC-50BC9AA97E27}"/>
+                </a:ext>
+              </a:extLst>
+            </p:cNvPr>
+            <p:cNvSpPr/>
+            <p:nvPr/>
+          </p:nvSpPr>
+          <p:spPr>
+            <a:xfrm>
+              <a:off x="4411145" y="5134802"/>
+              <a:ext cx="176194" cy="185467"/>
+            </a:xfrm>
+            <a:prstGeom prst="ellipse">
+              <a:avLst/>
+            </a:prstGeom>
+            <a:noFill/>
+            <a:ln>
+              <a:solidFill>
+                <a:schemeClr val="tx1"/>
+              </a:solidFill>
+            </a:ln>
+          </p:spPr>
+          <p:style>
+            <a:lnRef idx="2">
+              <a:schemeClr val="accent1">
+                <a:shade val="15000"/>
+              </a:schemeClr>
+            </a:lnRef>
+            <a:fillRef idx="1">
+              <a:schemeClr val="accent1"/>
+            </a:fillRef>
+            <a:effectRef idx="0">
+              <a:schemeClr val="accent1"/>
+            </a:effectRef>
+            <a:fontRef idx="minor">
+              <a:schemeClr val="lt1"/>
+            </a:fontRef>
+          </p:style>
+          <p:txBody>
+            <a:bodyPr rtlCol="0" anchor="ctr"/>
+            <a:lstStyle/>
+            <a:p>
+              <a:pPr algn="ctr"/>
+              <a:endParaRPr lang="en-US"/>
+            </a:p>
+          </p:txBody>
+        </p:sp>
+        <p:sp>
+          <p:nvSpPr>
+            <p:cNvPr id="5" name="TextBox 4">
+              <a:extLst>
+                <a:ext uri="{FF2B5EF4-FFF2-40B4-BE49-F238E27FC236}">
+                  <a16:creationId xmlns:a16="http://schemas.microsoft.com/office/drawing/2014/main" id="{3DDDA5E0-4346-C373-D3BF-4DA1E790ACC4}"/>
+                </a:ext>
+              </a:extLst>
+            </p:cNvPr>
+            <p:cNvSpPr txBox="1"/>
+            <p:nvPr/>
+          </p:nvSpPr>
+          <p:spPr>
+            <a:xfrm>
+              <a:off x="4771291" y="5042069"/>
+              <a:ext cx="3594225" cy="369332"/>
+            </a:xfrm>
+            <a:prstGeom prst="rect">
+              <a:avLst/>
+            </a:prstGeom>
+            <a:noFill/>
+          </p:spPr>
+          <p:txBody>
+            <a:bodyPr wrap="square" rtlCol="0">
+              <a:spAutoFit/>
+            </a:bodyPr>
+            <a:lstStyle/>
+            <a:p>
+              <a:r>
+                <a:rPr lang="en-US" altLang="zh-CN" dirty="0"/>
+                <a:t>Yes.</a:t>
+              </a:r>
+              <a:r>
+                <a:rPr lang="zh-CN" altLang="en-US" dirty="0"/>
+                <a:t> </a:t>
+              </a:r>
+              <a:r>
+                <a:rPr lang="en-US" altLang="zh-CN" dirty="0"/>
+                <a:t>The</a:t>
+              </a:r>
+              <a:r>
+                <a:rPr lang="zh-CN" altLang="en-US" dirty="0"/>
+                <a:t> </a:t>
+              </a:r>
+              <a:r>
+                <a:rPr lang="en-US" altLang="zh-CN" dirty="0"/>
+                <a:t>winning</a:t>
+              </a:r>
+              <a:r>
+                <a:rPr lang="zh-CN" altLang="en-US" dirty="0"/>
+                <a:t> </a:t>
+              </a:r>
+              <a:r>
+                <a:rPr lang="en-US" altLang="zh-CN" dirty="0"/>
+                <a:t>card</a:t>
+              </a:r>
+              <a:r>
+                <a:rPr lang="zh-CN" altLang="en-US" dirty="0"/>
+                <a:t> </a:t>
+              </a:r>
+              <a:r>
+                <a:rPr lang="en-US" altLang="zh-CN" dirty="0"/>
+                <a:t>switched.</a:t>
+              </a:r>
+              <a:endParaRPr lang="en-US" dirty="0"/>
+            </a:p>
+          </p:txBody>
+        </p:sp>
+        <p:sp>
+          <p:nvSpPr>
+            <p:cNvPr id="6" name="Oval 5">
+              <a:extLst>
+                <a:ext uri="{FF2B5EF4-FFF2-40B4-BE49-F238E27FC236}">
+                  <a16:creationId xmlns:a16="http://schemas.microsoft.com/office/drawing/2014/main" id="{129F04EB-D7B2-C316-0C73-E1F1D3FF9B72}"/>
+                </a:ext>
+              </a:extLst>
+            </p:cNvPr>
+            <p:cNvSpPr/>
+            <p:nvPr/>
+          </p:nvSpPr>
+          <p:spPr>
+            <a:xfrm>
+              <a:off x="4411145" y="5516017"/>
+              <a:ext cx="176194" cy="185467"/>
+            </a:xfrm>
+            <a:prstGeom prst="ellipse">
+              <a:avLst/>
+            </a:prstGeom>
+            <a:noFill/>
+            <a:ln>
+              <a:solidFill>
+                <a:schemeClr val="tx1"/>
+              </a:solidFill>
+            </a:ln>
+          </p:spPr>
+          <p:style>
+            <a:lnRef idx="2">
+              <a:schemeClr val="accent1">
+                <a:shade val="15000"/>
+              </a:schemeClr>
+            </a:lnRef>
+            <a:fillRef idx="1">
+              <a:schemeClr val="accent1"/>
+            </a:fillRef>
+            <a:effectRef idx="0">
+              <a:schemeClr val="accent1"/>
+            </a:effectRef>
+            <a:fontRef idx="minor">
+              <a:schemeClr val="lt1"/>
+            </a:fontRef>
+          </p:style>
+          <p:txBody>
+            <a:bodyPr rtlCol="0" anchor="ctr"/>
+            <a:lstStyle/>
+            <a:p>
+              <a:pPr algn="ctr"/>
+              <a:endParaRPr lang="en-US"/>
+            </a:p>
+          </p:txBody>
+        </p:sp>
+        <p:sp>
+          <p:nvSpPr>
+            <p:cNvPr id="9" name="TextBox 8">
+              <a:extLst>
+                <a:ext uri="{FF2B5EF4-FFF2-40B4-BE49-F238E27FC236}">
+                  <a16:creationId xmlns:a16="http://schemas.microsoft.com/office/drawing/2014/main" id="{AE66FDD6-EA1A-B06A-060C-C971EE651F25}"/>
+                </a:ext>
+              </a:extLst>
+            </p:cNvPr>
+            <p:cNvSpPr txBox="1"/>
+            <p:nvPr/>
+          </p:nvSpPr>
+          <p:spPr>
+            <a:xfrm>
+              <a:off x="4771291" y="5423285"/>
+              <a:ext cx="4642340" cy="369332"/>
+            </a:xfrm>
+            <a:prstGeom prst="rect">
+              <a:avLst/>
+            </a:prstGeom>
+            <a:noFill/>
+          </p:spPr>
+          <p:txBody>
+            <a:bodyPr wrap="square" rtlCol="0">
+              <a:spAutoFit/>
+            </a:bodyPr>
+            <a:lstStyle/>
+            <a:p>
+              <a:r>
+                <a:rPr lang="en-US" altLang="zh-CN" dirty="0"/>
+                <a:t>No.</a:t>
+              </a:r>
+              <a:r>
+                <a:rPr lang="zh-CN" altLang="en-US" dirty="0"/>
+                <a:t> </a:t>
+              </a:r>
+              <a:r>
+                <a:rPr lang="en-US" altLang="zh-CN" dirty="0"/>
+                <a:t>The</a:t>
+              </a:r>
+              <a:r>
+                <a:rPr lang="zh-CN" altLang="en-US" dirty="0"/>
+                <a:t> </a:t>
+              </a:r>
+              <a:r>
+                <a:rPr lang="en-US" altLang="zh-CN" dirty="0"/>
+                <a:t>winning</a:t>
+              </a:r>
+              <a:r>
+                <a:rPr lang="zh-CN" altLang="en-US" dirty="0"/>
+                <a:t> </a:t>
+              </a:r>
+              <a:r>
+                <a:rPr lang="en-US" altLang="zh-CN" dirty="0"/>
+                <a:t>card</a:t>
+              </a:r>
+              <a:r>
+                <a:rPr lang="zh-CN" altLang="en-US" dirty="0"/>
+                <a:t> </a:t>
+              </a:r>
+              <a:r>
+                <a:rPr lang="en-US" altLang="zh-CN" dirty="0"/>
+                <a:t>is</a:t>
+              </a:r>
+              <a:r>
+                <a:rPr lang="zh-CN" altLang="en-US" dirty="0"/>
+                <a:t> </a:t>
+              </a:r>
+              <a:r>
+                <a:rPr lang="en-US" altLang="zh-CN" dirty="0"/>
+                <a:t>still</a:t>
+              </a:r>
+              <a:r>
+                <a:rPr lang="zh-CN" altLang="en-US" dirty="0"/>
+                <a:t> </a:t>
+              </a:r>
+              <a:r>
+                <a:rPr lang="en-US" altLang="zh-CN" dirty="0"/>
+                <a:t>the</a:t>
+              </a:r>
+              <a:r>
+                <a:rPr lang="zh-CN" altLang="en-US" dirty="0"/>
+                <a:t> </a:t>
+              </a:r>
+              <a:r>
+                <a:rPr lang="en-US" altLang="zh-CN" dirty="0"/>
+                <a:t>same</a:t>
+              </a:r>
+              <a:r>
+                <a:rPr lang="zh-CN" altLang="en-US" dirty="0"/>
+                <a:t> </a:t>
+              </a:r>
+              <a:r>
+                <a:rPr lang="en-US" altLang="zh-CN" dirty="0"/>
+                <a:t>color</a:t>
+              </a:r>
+              <a:r>
+                <a:rPr lang="zh-CN" altLang="en-US" dirty="0"/>
+                <a:t> </a:t>
+              </a:r>
+              <a:r>
+                <a:rPr lang="en-US" altLang="zh-CN" dirty="0"/>
+                <a:t>card.</a:t>
+              </a:r>
+              <a:endParaRPr lang="en-US" dirty="0"/>
+            </a:p>
+          </p:txBody>
+        </p:sp>
+      </p:grpSp>
+      <p:pic>
+        <p:nvPicPr>
+          <p:cNvPr id="17" name="Audio 16">
+            <a:extLst>
+              <a:ext uri="{FF2B5EF4-FFF2-40B4-BE49-F238E27FC236}">
+                <a16:creationId xmlns:a16="http://schemas.microsoft.com/office/drawing/2014/main" id="{14ECFD9D-0594-621C-B01F-D652094BF925}"/>
+              </a:ext>
+            </a:extLst>
+          </p:cNvPr>
+          <p:cNvPicPr>
+            <a:picLocks noChangeAspect="1"/>
+          </p:cNvPicPr>
+          <p:nvPr>
+            <a:audioFile r:link="rId3"/>
+            <p:extLst>
+              <p:ext uri="{DAA4B4D4-6D71-4841-9C94-3DE7FCFB9230}">
+                <p14:media xmlns:p14="http://schemas.microsoft.com/office/powerpoint/2010/main" r:embed="rId2"/>
+              </p:ext>
+            </p:extLst>
+          </p:nvPr>
+        </p:nvPicPr>
+        <p:blipFill>
+          <a:blip r:embed="rId6"/>
+          <a:stretch>
+            <a:fillRect/>
+          </a:stretch>
+        </p:blipFill>
+        <p:spPr>
+          <a:xfrm>
+            <a:off x="11226800" y="5892800"/>
+            <a:ext cx="812800" cy="812800"/>
+          </a:xfrm>
+          <a:prstGeom prst="rect">
+            <a:avLst/>
+          </a:prstGeom>
+        </p:spPr>
+      </p:pic>
+    </p:spTree>
+    <p:custDataLst>
+      <p:tags r:id="rId1"/>
+    </p:custDataLst>
+    <p:extLst>
+      <p:ext uri="{BB962C8B-B14F-4D97-AF65-F5344CB8AC3E}">
+        <p14:creationId xmlns:p14="http://schemas.microsoft.com/office/powerpoint/2010/main" val="4134643037"/>
+      </p:ext>
+    </p:extLst>
+  </p:cSld>
+  <p:clrMapOvr>
+    <a:masterClrMapping/>
+  </p:clrMapOvr>
+  <mc:AlternateContent xmlns:mc="http://schemas.openxmlformats.org/markup-compatibility/2006" xmlns:p14="http://schemas.microsoft.com/office/powerpoint/2010/main">
+    <mc:Choice Requires="p14">
+      <p:transition spd="slow" p14:dur="2000" advTm="15303"/>
+    </mc:Choice>
+    <mc:Fallback xmlns="">
+      <p:transition spd="slow" advTm="15303"/>
+    </mc:Fallback>
+  </mc:AlternateContent>
+  <p:timing>
+    <p:tnLst>
+      <p:par>
+        <p:cTn id="1" dur="indefinite" restart="never" nodeType="tmRoot">
+          <p:childTnLst>
+            <p:seq concurrent="1" nextAc="seek">
+              <p:cTn id="2" dur="indefinite" nodeType="mainSeq">
+                <p:childTnLst>
+                  <p:par>
+                    <p:cTn id="3" fill="hold">
+                      <p:stCondLst>
+                        <p:cond delay="indefinite"/>
+                        <p:cond evt="onBegin" delay="0">
+                          <p:tn val="2"/>
+                        </p:cond>
+                      </p:stCondLst>
+                      <p:childTnLst>
+                        <p:par>
+                          <p:cTn id="4" fill="hold">
+                            <p:stCondLst>
+                              <p:cond delay="0"/>
+                            </p:stCondLst>
+                            <p:childTnLst>
+                              <p:par>
+                                <p:cTn id="5" presetID="1" presetClass="mediacall" presetSubtype="0" fill="hold" nodeType="afterEffect">
+                                  <p:stCondLst>
+                                    <p:cond delay="0"/>
+                                  </p:stCondLst>
+                                  <p:childTnLst>
+                                    <p:cmd type="call" cmd="playFrom(0.0)">
+                                      <p:cBhvr>
+                                        <p:cTn id="6" dur="1" fill="hold"/>
+                                        <p:tgtEl>
+                                          <p:spTgt spid="17"/>
+                                        </p:tgtEl>
+                                      </p:cBhvr>
+                                    </p:cmd>
+                                  </p:childTnLst>
+                                </p:cTn>
+                              </p:par>
+                            </p:childTnLst>
+                          </p:cTn>
+                        </p:par>
+                      </p:childTnLst>
+                    </p:cTn>
+                  </p:par>
+                </p:childTnLst>
+              </p:cTn>
+              <p:prevCondLst>
+                <p:cond evt="onPrev" delay="0">
+                  <p:tgtEl>
+                    <p:sldTgt/>
+                  </p:tgtEl>
+                </p:cond>
+              </p:prevCondLst>
+              <p:nextCondLst>
+                <p:cond evt="onNext" delay="0">
+                  <p:tgtEl>
+                    <p:sldTgt/>
+                  </p:tgtEl>
+                </p:cond>
+              </p:nextCondLst>
+            </p:seq>
+            <p:audio isNarration="1">
+              <p:cMediaNode vol="80000" showWhenStopped="0">
+                <p:cTn id="7" fill="hold" display="0">
+                  <p:stCondLst>
+                    <p:cond delay="indefinite"/>
+                  </p:stCondLst>
+                  <p:endCondLst>
+                    <p:cond evt="onStopAudio" delay="0">
+                      <p:tgtEl>
+                        <p:sldTgt/>
+                      </p:tgtEl>
+                    </p:cond>
+                  </p:endCondLst>
+                </p:cTn>
+                <p:tgtEl>
+                  <p:spTgt spid="17"/>
+                </p:tgtEl>
+              </p:cMediaNode>
+            </p:audio>
+          </p:childTnLst>
+        </p:cTn>
+      </p:par>
+    </p:tnLst>
+  </p:timing>
+</p:sld>
+</file>
+
+<file path=ppt/slides/slide7.xml><?xml version="1.0" encoding="utf-8"?>
+<p:sld xmlns:a="http://schemas.openxmlformats.org/drawingml/2006/main" xmlns:r="http://schemas.openxmlformats.org/officeDocument/2006/relationships" xmlns:p="http://schemas.openxmlformats.org/presentationml/2006/main">
+  <p:cSld>
+    <p:spTree>
+      <p:nvGrpSpPr>
+        <p:cNvPr id="1" name="">
+          <a:extLst>
+            <a:ext uri="{FF2B5EF4-FFF2-40B4-BE49-F238E27FC236}">
+              <a16:creationId xmlns:a16="http://schemas.microsoft.com/office/drawing/2014/main" id="{A4BF9829-AA2D-4D31-A01B-E3E3C31C079E}"/>
+            </a:ext>
+          </a:extLst>
+        </p:cNvPr>
+        <p:cNvGrpSpPr/>
+        <p:nvPr/>
+      </p:nvGrpSpPr>
+      <p:grpSpPr>
+        <a:xfrm>
+          <a:off x="0" y="0"/>
+          <a:ext cx="0" cy="0"/>
+          <a:chOff x="0" y="0"/>
+          <a:chExt cx="0" cy="0"/>
+        </a:xfrm>
+      </p:grpSpPr>
+      <p:sp>
+        <p:nvSpPr>
+          <p:cNvPr id="4" name="Rectangle 3">
+            <a:extLst>
+              <a:ext uri="{FF2B5EF4-FFF2-40B4-BE49-F238E27FC236}">
+                <a16:creationId xmlns:a16="http://schemas.microsoft.com/office/drawing/2014/main" id="{1126B462-378F-6D63-C7D1-08F6961204C1}"/>
+              </a:ext>
+            </a:extLst>
+          </p:cNvPr>
+          <p:cNvSpPr>
+            <a:spLocks noChangeAspect="1"/>
+          </p:cNvSpPr>
+          <p:nvPr/>
+        </p:nvSpPr>
+        <p:spPr>
+          <a:xfrm>
+            <a:off x="2309130" y="2011680"/>
+            <a:ext cx="2355063" cy="2834640"/>
+          </a:xfrm>
+          <a:prstGeom prst="rect">
+            <a:avLst/>
+          </a:prstGeom>
+        </p:spPr>
+        <p:style>
+          <a:lnRef idx="1">
+            <a:schemeClr val="accent1"/>
+          </a:lnRef>
+          <a:fillRef idx="3">
+            <a:schemeClr val="accent1"/>
+          </a:fillRef>
+          <a:effectRef idx="2">
+            <a:schemeClr val="accent1"/>
+          </a:effectRef>
+          <a:fontRef idx="minor">
+            <a:schemeClr val="lt1"/>
+          </a:fontRef>
+        </p:style>
+        <p:txBody>
+          <a:bodyPr rtlCol="0" anchor="ctr"/>
+          <a:lstStyle/>
+          <a:p>
+            <a:pPr marL="0" marR="0" lvl="0" indent="0" algn="ctr" defTabSz="914400" rtl="0" eaLnBrk="1" fontAlgn="auto" latinLnBrk="0" hangingPunct="1">
+              <a:lnSpc>
+                <a:spcPct val="100000"/>
+              </a:lnSpc>
+              <a:spcBef>
+                <a:spcPts val="0"/>
+              </a:spcBef>
+              <a:spcAft>
+                <a:spcPts val="0"/>
+              </a:spcAft>
+              <a:buClrTx/>
+              <a:buSzTx/>
+              <a:buFontTx/>
+              <a:buNone/>
+              <a:tabLst/>
+              <a:defRPr/>
+            </a:pPr>
+            <a:endParaRPr kumimoji="0" lang="en-US" sz="1800" b="0" i="0" u="none" strike="noStrike" kern="1200" cap="none" spc="0" normalizeH="0" baseline="0" noProof="0" dirty="0">
+              <a:ln>
+                <a:noFill/>
+              </a:ln>
+              <a:solidFill>
+                <a:prstClr val="white"/>
+              </a:solidFill>
+              <a:effectLst/>
+              <a:uLnTx/>
+              <a:uFillTx/>
+              <a:latin typeface="Calibri"/>
+              <a:ea typeface="+mn-ea"/>
+              <a:cs typeface="+mn-cs"/>
+            </a:endParaRPr>
+          </a:p>
+        </p:txBody>
+      </p:sp>
+      <p:sp>
+        <p:nvSpPr>
+          <p:cNvPr id="5" name="Rectangle 4">
+            <a:extLst>
+              <a:ext uri="{FF2B5EF4-FFF2-40B4-BE49-F238E27FC236}">
+                <a16:creationId xmlns:a16="http://schemas.microsoft.com/office/drawing/2014/main" id="{C6C7C671-523D-1FFC-73C7-146E328AF803}"/>
+              </a:ext>
+            </a:extLst>
+          </p:cNvPr>
+          <p:cNvSpPr>
+            <a:spLocks noChangeAspect="1"/>
+          </p:cNvSpPr>
+          <p:nvPr/>
+        </p:nvSpPr>
+        <p:spPr>
+          <a:xfrm>
+            <a:off x="7276083" y="2011680"/>
+            <a:ext cx="2355063" cy="2834640"/>
+          </a:xfrm>
+          <a:prstGeom prst="rect">
+            <a:avLst/>
+          </a:prstGeom>
+        </p:spPr>
+        <p:style>
+          <a:lnRef idx="2">
+            <a:schemeClr val="accent6">
+              <a:shade val="50000"/>
+            </a:schemeClr>
+          </a:lnRef>
+          <a:fillRef idx="1">
+            <a:schemeClr val="accent6"/>
+          </a:fillRef>
+          <a:effectRef idx="0">
+            <a:schemeClr val="accent6"/>
+          </a:effectRef>
+          <a:fontRef idx="minor">
+            <a:schemeClr val="lt1"/>
+          </a:fontRef>
+        </p:style>
+        <p:txBody>
+          <a:bodyPr rtlCol="0" anchor="ctr"/>
+          <a:lstStyle/>
+          <a:p>
+            <a:pPr marL="0" marR="0" lvl="0" indent="0" algn="l" defTabSz="914400" rtl="0" eaLnBrk="1" fontAlgn="auto" latinLnBrk="0" hangingPunct="1">
+              <a:lnSpc>
+                <a:spcPct val="100000"/>
+              </a:lnSpc>
+              <a:spcBef>
+                <a:spcPts val="0"/>
+              </a:spcBef>
+              <a:spcAft>
+                <a:spcPts val="0"/>
+              </a:spcAft>
+              <a:buClrTx/>
+              <a:buSzTx/>
+              <a:buFontTx/>
+              <a:buNone/>
+              <a:tabLst/>
+              <a:defRPr/>
+            </a:pPr>
+            <a:endParaRPr kumimoji="0" lang="en-US" sz="5400" b="0" i="0" u="none" strike="noStrike" kern="1200" cap="none" spc="0" normalizeH="0" baseline="0" noProof="0" dirty="0">
+              <a:ln>
+                <a:noFill/>
+              </a:ln>
+              <a:solidFill>
+                <a:prstClr val="white"/>
+              </a:solidFill>
+              <a:effectLst/>
+              <a:uLnTx/>
+              <a:uFillTx/>
+              <a:latin typeface="Calibri"/>
+              <a:ea typeface="+mn-ea"/>
+              <a:cs typeface="+mn-cs"/>
+            </a:endParaRPr>
+          </a:p>
+        </p:txBody>
+      </p:sp>
+      <p:sp>
+        <p:nvSpPr>
+          <p:cNvPr id="6" name="TextBox 5">
+            <a:extLst>
+              <a:ext uri="{FF2B5EF4-FFF2-40B4-BE49-F238E27FC236}">
+                <a16:creationId xmlns:a16="http://schemas.microsoft.com/office/drawing/2014/main" id="{B34DC459-5FA9-C6E7-E986-531F5348BD0E}"/>
+              </a:ext>
+            </a:extLst>
+          </p:cNvPr>
+          <p:cNvSpPr txBox="1"/>
+          <p:nvPr/>
+        </p:nvSpPr>
+        <p:spPr>
+          <a:xfrm>
+            <a:off x="5634598" y="2563738"/>
+            <a:ext cx="680038" cy="1015663"/>
+          </a:xfrm>
+          <a:prstGeom prst="rect">
+            <a:avLst/>
+          </a:prstGeom>
+          <a:noFill/>
+        </p:spPr>
+        <p:txBody>
+          <a:bodyPr wrap="square" rtlCol="0">
+            <a:spAutoFit/>
+          </a:bodyPr>
+          <a:lstStyle/>
+          <a:p>
+            <a:pPr marL="0" marR="0" lvl="0" indent="0" algn="l" defTabSz="914400" rtl="0" eaLnBrk="1" fontAlgn="auto" latinLnBrk="0" hangingPunct="1">
+              <a:lnSpc>
+                <a:spcPct val="100000"/>
+              </a:lnSpc>
+              <a:spcBef>
+                <a:spcPts val="0"/>
+              </a:spcBef>
+              <a:spcAft>
+                <a:spcPts val="0"/>
+              </a:spcAft>
+              <a:buClrTx/>
+              <a:buSzTx/>
+              <a:buFontTx/>
+              <a:buNone/>
+              <a:tabLst/>
+              <a:defRPr/>
+            </a:pPr>
+            <a:r>
+              <a:rPr kumimoji="0" lang="en-US" sz="6000" b="0" i="0" u="none" strike="noStrike" kern="1200" cap="none" spc="0" normalizeH="0" baseline="0" noProof="0" dirty="0">
+                <a:ln>
+                  <a:noFill/>
+                </a:ln>
+                <a:solidFill>
+                  <a:srgbClr val="000000"/>
+                </a:solidFill>
+                <a:effectLst/>
+                <a:uLnTx/>
+                <a:uFillTx/>
+                <a:latin typeface="Arial" panose="020B0604020202020204" pitchFamily="34" charset="0"/>
+                <a:ea typeface="+mn-ea"/>
+                <a:cs typeface="+mn-cs"/>
+              </a:rPr>
+              <a:t>+</a:t>
+            </a:r>
+            <a:endParaRPr kumimoji="0" lang="en-US" sz="6000" b="0" i="0" u="none" strike="noStrike" kern="1200" cap="none" spc="0" normalizeH="0" baseline="0" noProof="0" dirty="0">
+              <a:ln>
+                <a:noFill/>
+              </a:ln>
+              <a:solidFill>
+                <a:prstClr val="black"/>
+              </a:solidFill>
+              <a:effectLst/>
+              <a:uLnTx/>
+              <a:uFillTx/>
+              <a:latin typeface="Calibri"/>
+              <a:ea typeface="+mn-ea"/>
+              <a:cs typeface="+mn-cs"/>
+            </a:endParaRPr>
+          </a:p>
+        </p:txBody>
+      </p:sp>
+      <p:grpSp>
+        <p:nvGrpSpPr>
+          <p:cNvPr id="13" name="Group 12">
+            <a:extLst>
+              <a:ext uri="{FF2B5EF4-FFF2-40B4-BE49-F238E27FC236}">
+                <a16:creationId xmlns:a16="http://schemas.microsoft.com/office/drawing/2014/main" id="{029D5AAC-7F93-4211-9B5E-93B58767BFF2}"/>
+              </a:ext>
+            </a:extLst>
+          </p:cNvPr>
+          <p:cNvGrpSpPr/>
+          <p:nvPr/>
+        </p:nvGrpSpPr>
+        <p:grpSpPr>
+          <a:xfrm>
+            <a:off x="2024432" y="5114000"/>
+            <a:ext cx="7707495" cy="1017608"/>
+            <a:chOff x="2024432" y="4908900"/>
+            <a:chExt cx="7707495" cy="1017608"/>
+          </a:xfrm>
+        </p:grpSpPr>
+        <p:sp>
+          <p:nvSpPr>
+            <p:cNvPr id="7" name="Rectangle 6">
+              <a:extLst>
+                <a:ext uri="{FF2B5EF4-FFF2-40B4-BE49-F238E27FC236}">
+                  <a16:creationId xmlns:a16="http://schemas.microsoft.com/office/drawing/2014/main" id="{361806FA-B1B7-D055-A4C2-73EED690E40B}"/>
+                </a:ext>
+              </a:extLst>
+            </p:cNvPr>
+            <p:cNvSpPr/>
+            <p:nvPr/>
+          </p:nvSpPr>
+          <p:spPr>
+            <a:xfrm>
+              <a:off x="2024432" y="5488358"/>
+              <a:ext cx="7707495" cy="438150"/>
+            </a:xfrm>
+            <a:prstGeom prst="rect">
+              <a:avLst/>
+            </a:prstGeom>
+            <a:solidFill>
+              <a:schemeClr val="bg2">
+                <a:lumMod val="90000"/>
+              </a:schemeClr>
+            </a:solidFill>
+            <a:ln>
+              <a:solidFill>
+                <a:schemeClr val="tx1">
+                  <a:lumMod val="65000"/>
+                  <a:lumOff val="35000"/>
+                </a:schemeClr>
+              </a:solidFill>
+            </a:ln>
+            <a:effectLst/>
+          </p:spPr>
+          <p:style>
+            <a:lnRef idx="1">
+              <a:schemeClr val="accent3"/>
+            </a:lnRef>
+            <a:fillRef idx="2">
+              <a:schemeClr val="accent3"/>
+            </a:fillRef>
+            <a:effectRef idx="1">
+              <a:schemeClr val="accent3"/>
+            </a:effectRef>
+            <a:fontRef idx="minor">
+              <a:schemeClr val="dk1"/>
+            </a:fontRef>
+          </p:style>
+          <p:txBody>
+            <a:bodyPr rtlCol="0" anchor="ctr"/>
+            <a:lstStyle/>
+            <a:p>
+              <a:pPr marL="0" marR="0" lvl="0" indent="0" algn="ctr" defTabSz="914400" rtl="0" eaLnBrk="1" fontAlgn="auto" latinLnBrk="0" hangingPunct="1">
+                <a:lnSpc>
+                  <a:spcPct val="100000"/>
+                </a:lnSpc>
+                <a:spcBef>
+                  <a:spcPts val="0"/>
+                </a:spcBef>
+                <a:spcAft>
+                  <a:spcPts val="0"/>
+                </a:spcAft>
+                <a:buClrTx/>
+                <a:buSzTx/>
+                <a:buFontTx/>
+                <a:buNone/>
+                <a:tabLst/>
+                <a:defRPr/>
+              </a:pPr>
+              <a:endParaRPr kumimoji="0" lang="en-US" sz="1800" b="0" i="0" u="none" strike="noStrike" kern="1200" cap="none" spc="0" normalizeH="0" baseline="0" noProof="0" dirty="0">
+                <a:ln>
+                  <a:noFill/>
+                </a:ln>
+                <a:solidFill>
+                  <a:srgbClr val="E7E6E6">
+                    <a:lumMod val="90000"/>
+                  </a:srgbClr>
+                </a:solidFill>
+                <a:effectLst/>
+                <a:uLnTx/>
+                <a:uFillTx/>
+                <a:latin typeface="Calibri"/>
+                <a:ea typeface="+mn-ea"/>
+                <a:cs typeface="+mn-cs"/>
+              </a:endParaRPr>
+            </a:p>
+          </p:txBody>
+        </p:sp>
+        <p:sp>
+          <p:nvSpPr>
+            <p:cNvPr id="12" name="TextBox 11">
+              <a:extLst>
+                <a:ext uri="{FF2B5EF4-FFF2-40B4-BE49-F238E27FC236}">
+                  <a16:creationId xmlns:a16="http://schemas.microsoft.com/office/drawing/2014/main" id="{6DBABA61-0B6B-C3AE-F17E-95654425851B}"/>
+                </a:ext>
+              </a:extLst>
+            </p:cNvPr>
+            <p:cNvSpPr txBox="1"/>
+            <p:nvPr/>
+          </p:nvSpPr>
+          <p:spPr>
+            <a:xfrm>
+              <a:off x="4797085" y="4908900"/>
+              <a:ext cx="2355063" cy="523220"/>
+            </a:xfrm>
+            <a:prstGeom prst="rect">
+              <a:avLst/>
+            </a:prstGeom>
+            <a:noFill/>
+          </p:spPr>
+          <p:txBody>
+            <a:bodyPr wrap="square" rtlCol="0">
+              <a:spAutoFit/>
+            </a:bodyPr>
+            <a:lstStyle/>
+            <a:p>
+              <a:pPr marL="0" marR="0" lvl="0" indent="0" algn="l" defTabSz="914400" rtl="0" eaLnBrk="1" fontAlgn="auto" latinLnBrk="0" hangingPunct="1">
+                <a:lnSpc>
+                  <a:spcPct val="100000"/>
+                </a:lnSpc>
+                <a:spcBef>
+                  <a:spcPts val="0"/>
+                </a:spcBef>
+                <a:spcAft>
+                  <a:spcPts val="0"/>
+                </a:spcAft>
+                <a:buClrTx/>
+                <a:buSzTx/>
+                <a:buFontTx/>
+                <a:buNone/>
+                <a:tabLst/>
+                <a:defRPr/>
+              </a:pPr>
+              <a:r>
+                <a:rPr kumimoji="0" lang="en-US" sz="2800" b="0" i="0" u="none" strike="noStrike" kern="1200" cap="none" spc="0" normalizeH="0" baseline="0" noProof="0" dirty="0">
+                  <a:ln>
+                    <a:noFill/>
+                  </a:ln>
+                  <a:solidFill>
+                    <a:prstClr val="black"/>
+                  </a:solidFill>
+                  <a:effectLst/>
+                  <a:uLnTx/>
+                  <a:uFillTx/>
+                  <a:latin typeface="Calibri"/>
+                  <a:ea typeface="+mn-ea"/>
+                  <a:cs typeface="+mn-cs"/>
+                </a:rPr>
+                <a:t>Total Points: 0</a:t>
+              </a:r>
+            </a:p>
+          </p:txBody>
+        </p:sp>
+      </p:grpSp>
+      <p:sp>
+        <p:nvSpPr>
+          <p:cNvPr id="8" name="TextBox 7">
+            <a:extLst>
+              <a:ext uri="{FF2B5EF4-FFF2-40B4-BE49-F238E27FC236}">
+                <a16:creationId xmlns:a16="http://schemas.microsoft.com/office/drawing/2014/main" id="{C21A5437-3FDE-EC8C-630D-4B5C460D8473}"/>
+              </a:ext>
+            </a:extLst>
+          </p:cNvPr>
+          <p:cNvSpPr txBox="1"/>
+          <p:nvPr/>
+        </p:nvSpPr>
+        <p:spPr>
+          <a:xfrm>
+            <a:off x="348163" y="256032"/>
+            <a:ext cx="11573220" cy="523220"/>
+          </a:xfrm>
+          <a:prstGeom prst="rect">
+            <a:avLst/>
+          </a:prstGeom>
+          <a:noFill/>
+        </p:spPr>
+        <p:txBody>
+          <a:bodyPr wrap="square" rtlCol="0">
+            <a:spAutoFit/>
+          </a:bodyPr>
+          <a:lstStyle/>
+          <a:p>
+            <a:pPr marL="0" marR="0" lvl="0" indent="0" algn="ctr" defTabSz="914400" rtl="0" eaLnBrk="1" fontAlgn="auto" latinLnBrk="0" hangingPunct="1">
+              <a:lnSpc>
+                <a:spcPct val="100000"/>
+              </a:lnSpc>
+              <a:spcBef>
+                <a:spcPts val="0"/>
+              </a:spcBef>
+              <a:spcAft>
+                <a:spcPts val="0"/>
+              </a:spcAft>
+              <a:buClrTx/>
+              <a:buSzTx/>
+              <a:buFontTx/>
+              <a:buNone/>
+              <a:tabLst/>
+              <a:defRPr/>
+            </a:pPr>
+            <a:endParaRPr kumimoji="0" lang="en-US" sz="2800" b="0" i="0" u="none" strike="noStrike" kern="1200" cap="none" spc="0" normalizeH="0" baseline="0" noProof="0" dirty="0">
+              <a:ln>
+                <a:noFill/>
+              </a:ln>
+              <a:solidFill>
+                <a:prstClr val="black"/>
+              </a:solidFill>
+              <a:effectLst/>
+              <a:uLnTx/>
+              <a:uFillTx/>
+              <a:latin typeface="Calibri"/>
+              <a:ea typeface="+mn-ea"/>
+              <a:cs typeface="+mn-cs"/>
+            </a:endParaRPr>
+          </a:p>
+        </p:txBody>
+      </p:sp>
+      <p:pic>
+        <p:nvPicPr>
+          <p:cNvPr id="37" name="Audio 36">
+            <a:extLst>
+              <a:ext uri="{FF2B5EF4-FFF2-40B4-BE49-F238E27FC236}">
+                <a16:creationId xmlns:a16="http://schemas.microsoft.com/office/drawing/2014/main" id="{9D386BD8-6799-2D59-A513-2F9AD50184A5}"/>
+              </a:ext>
+            </a:extLst>
+          </p:cNvPr>
+          <p:cNvPicPr>
+            <a:picLocks noChangeAspect="1"/>
+          </p:cNvPicPr>
+          <p:nvPr>
+            <a:audioFile r:link="rId3"/>
+            <p:extLst>
+              <p:ext uri="{DAA4B4D4-6D71-4841-9C94-3DE7FCFB9230}">
+                <p14:media xmlns:p14="http://schemas.microsoft.com/office/powerpoint/2010/main" r:embed="rId2"/>
+              </p:ext>
+            </p:extLst>
+          </p:nvPr>
+        </p:nvPicPr>
+        <p:blipFill>
+          <a:blip r:embed="rId6"/>
+          <a:stretch>
+            <a:fillRect/>
+          </a:stretch>
+        </p:blipFill>
+        <p:spPr>
+          <a:xfrm>
+            <a:off x="11226800" y="5892800"/>
+            <a:ext cx="812800" cy="812800"/>
+          </a:xfrm>
+          <a:prstGeom prst="rect">
+            <a:avLst/>
+          </a:prstGeom>
+        </p:spPr>
+      </p:pic>
+      <p:sp>
+        <p:nvSpPr>
+          <p:cNvPr id="9" name="TextBox 8">
+            <a:extLst>
+              <a:ext uri="{FF2B5EF4-FFF2-40B4-BE49-F238E27FC236}">
+                <a16:creationId xmlns:a16="http://schemas.microsoft.com/office/drawing/2014/main" id="{79F837F3-B89E-9A42-8912-991CF2463B12}"/>
+              </a:ext>
+            </a:extLst>
+          </p:cNvPr>
+          <p:cNvSpPr txBox="1"/>
+          <p:nvPr/>
+        </p:nvSpPr>
+        <p:spPr>
+          <a:xfrm>
+            <a:off x="3669323" y="1063600"/>
+            <a:ext cx="5825067" cy="369332"/>
+          </a:xfrm>
+          <a:prstGeom prst="rect">
+            <a:avLst/>
+          </a:prstGeom>
+          <a:noFill/>
+        </p:spPr>
+        <p:txBody>
+          <a:bodyPr wrap="square" rtlCol="0">
+            <a:spAutoFit/>
+          </a:bodyPr>
+          <a:lstStyle/>
+          <a:p>
+            <a:r>
+              <a:rPr lang="en-US" dirty="0">
+                <a:solidFill>
+                  <a:srgbClr val="000000"/>
+                </a:solidFill>
+                <a:latin typeface="Open Sans" panose="020B0606030504020204" pitchFamily="34" charset="0"/>
+              </a:rPr>
+              <a:t>For this turn, please choose the [left/right] card.</a:t>
+            </a:r>
+            <a:endParaRPr lang="en-US" b="0" i="0" dirty="0">
+              <a:solidFill>
+                <a:srgbClr val="000000"/>
+              </a:solidFill>
+              <a:effectLst/>
+              <a:latin typeface="Open Sans" panose="020B0606030504020204" pitchFamily="34" charset="0"/>
+            </a:endParaRPr>
+          </a:p>
+        </p:txBody>
+      </p:sp>
+    </p:spTree>
+    <p:custDataLst>
+      <p:tags r:id="rId1"/>
+    </p:custDataLst>
+    <p:extLst>
+      <p:ext uri="{BB962C8B-B14F-4D97-AF65-F5344CB8AC3E}">
+        <p14:creationId xmlns:p14="http://schemas.microsoft.com/office/powerpoint/2010/main" val="1983977672"/>
+      </p:ext>
+    </p:extLst>
+  </p:cSld>
+  <p:clrMapOvr>
+    <a:masterClrMapping/>
+  </p:clrMapOvr>
+  <mc:AlternateContent xmlns:mc="http://schemas.openxmlformats.org/markup-compatibility/2006" xmlns:p14="http://schemas.microsoft.com/office/powerpoint/2010/main">
+    <mc:Choice Requires="p14">
+      <p:transition spd="slow" p14:dur="2000" advTm="8830"/>
+    </mc:Choice>
+    <mc:Fallback xmlns="">
+      <p:transition spd="slow" advTm="8830"/>
+    </mc:Fallback>
+  </mc:AlternateContent>
+  <p:timing>
+    <p:tnLst>
+      <p:par>
+        <p:cTn id="1" dur="indefinite" restart="never" nodeType="tmRoot">
+          <p:childTnLst>
+            <p:seq concurrent="1" nextAc="seek">
+              <p:cTn id="2" dur="indefinite" nodeType="mainSeq">
+                <p:childTnLst>
+                  <p:par>
+                    <p:cTn id="3" fill="hold">
+                      <p:stCondLst>
+                        <p:cond delay="indefinite"/>
+                        <p:cond evt="onBegin" delay="0">
+                          <p:tn val="2"/>
+                        </p:cond>
+                      </p:stCondLst>
+                      <p:childTnLst>
+                        <p:par>
+                          <p:cTn id="4" fill="hold">
+                            <p:stCondLst>
+                              <p:cond delay="0"/>
+                            </p:stCondLst>
+                            <p:childTnLst>
+                              <p:par>
+                                <p:cTn id="5" presetID="1" presetClass="mediacall" presetSubtype="0" fill="hold" nodeType="afterEffect">
+                                  <p:stCondLst>
+                                    <p:cond delay="0"/>
+                                  </p:stCondLst>
+                                  <p:childTnLst>
+                                    <p:cmd type="call" cmd="playFrom(0.0)">
+                                      <p:cBhvr>
+                                        <p:cTn id="6" dur="1" fill="hold"/>
+                                        <p:tgtEl>
+                                          <p:spTgt spid="37"/>
+                                        </p:tgtEl>
+                                      </p:cBhvr>
+                                    </p:cmd>
+                                  </p:childTnLst>
+                                </p:cTn>
+                              </p:par>
+                            </p:childTnLst>
+                          </p:cTn>
+                        </p:par>
+                      </p:childTnLst>
+                    </p:cTn>
+                  </p:par>
+                  <p:par>
+                    <p:cTn id="7" fill="hold">
+                      <p:stCondLst>
+                        <p:cond delay="indefinite"/>
+                      </p:stCondLst>
+                      <p:childTnLst>
+                        <p:par>
+                          <p:cTn id="8" fill="hold">
+                            <p:stCondLst>
+                              <p:cond delay="0"/>
+                            </p:stCondLst>
+                            <p:childTnLst>
+                              <p:par>
+                                <p:cTn id="9" presetID="6" presetClass="emph" presetSubtype="0" repeatCount="2000" autoRev="1" fill="hold" nodeType="clickEffect">
+                                  <p:stCondLst>
+                                    <p:cond delay="0"/>
+                                  </p:stCondLst>
+                                  <p:childTnLst>
+                                    <p:animScale>
+                                      <p:cBhvr>
+                                        <p:cTn id="10" dur="500" fill="hold"/>
+                                        <p:tgtEl>
+                                          <p:spTgt spid="13"/>
+                                        </p:tgtEl>
+                                      </p:cBhvr>
+                                      <p:by x="150000" y="150000"/>
+                                    </p:animScale>
+                                  </p:childTnLst>
+                                </p:cTn>
+                              </p:par>
+                            </p:childTnLst>
+                          </p:cTn>
+                        </p:par>
+                      </p:childTnLst>
+                    </p:cTn>
+                  </p:par>
+                  <p:par>
+                    <p:cTn id="11" fill="hold">
+                      <p:stCondLst>
+                        <p:cond delay="indefinite"/>
+                      </p:stCondLst>
+                      <p:childTnLst>
+                        <p:par>
+                          <p:cTn id="12" fill="hold">
+                            <p:stCondLst>
+                              <p:cond delay="0"/>
+                            </p:stCondLst>
+                            <p:childTnLst>
+                              <p:par>
+                                <p:cTn id="13" presetID="9" presetClass="entr" presetSubtype="0" fill="hold" grpId="0" nodeType="clickEffect">
+                                  <p:stCondLst>
+                                    <p:cond delay="0"/>
+                                  </p:stCondLst>
+                                  <p:childTnLst>
+                                    <p:set>
+                                      <p:cBhvr>
+                                        <p:cTn id="14" dur="1" fill="hold">
+                                          <p:stCondLst>
+                                            <p:cond delay="0"/>
+                                          </p:stCondLst>
+                                        </p:cTn>
+                                        <p:tgtEl>
+                                          <p:spTgt spid="9"/>
+                                        </p:tgtEl>
+                                        <p:attrNameLst>
+                                          <p:attrName>style.visibility</p:attrName>
+                                        </p:attrNameLst>
+                                      </p:cBhvr>
+                                      <p:to>
+                                        <p:strVal val="visible"/>
+                                      </p:to>
+                                    </p:set>
+                                    <p:animEffect transition="in" filter="dissolve">
+                                      <p:cBhvr>
+                                        <p:cTn id="15" dur="500"/>
+                                        <p:tgtEl>
+                                          <p:spTgt spid="9"/>
+                                        </p:tgtEl>
+                                      </p:cBhvr>
+                                    </p:animEffect>
+                                  </p:childTnLst>
+                                </p:cTn>
+                              </p:par>
+                            </p:childTnLst>
+                          </p:cTn>
+                        </p:par>
+                      </p:childTnLst>
+                    </p:cTn>
+                  </p:par>
+                </p:childTnLst>
+              </p:cTn>
+              <p:prevCondLst>
+                <p:cond evt="onPrev" delay="0">
+                  <p:tgtEl>
+                    <p:sldTgt/>
+                  </p:tgtEl>
+                </p:cond>
+              </p:prevCondLst>
+              <p:nextCondLst>
+                <p:cond evt="onNext" delay="0">
+                  <p:tgtEl>
+                    <p:sldTgt/>
+                  </p:tgtEl>
+                </p:cond>
+              </p:nextCondLst>
+            </p:seq>
+            <p:audio isNarration="1">
+              <p:cMediaNode vol="80000" showWhenStopped="0">
+                <p:cTn id="16" fill="hold" display="0">
+                  <p:stCondLst>
+                    <p:cond delay="indefinite"/>
+                  </p:stCondLst>
+                  <p:endCondLst>
+                    <p:cond evt="onStopAudio" delay="0">
+                      <p:tgtEl>
+                        <p:sldTgt/>
+                      </p:tgtEl>
+                    </p:cond>
+                  </p:endCondLst>
+                </p:cTn>
+                <p:tgtEl>
+                  <p:spTgt spid="37"/>
+                </p:tgtEl>
+              </p:cMediaNode>
+            </p:audio>
+          </p:childTnLst>
+        </p:cTn>
+      </p:par>
+    </p:tnLst>
+    <p:bldLst>
+      <p:bldP spid="9" grpId="0"/>
+    </p:bldLst>
+  </p:timing>
+</p:sld>
+</file>
+
 <file path=ppt/tags/tag1.xml><?xml version="1.0" encoding="utf-8"?>
 <p:tagLst xmlns:a="http://schemas.openxmlformats.org/drawingml/2006/main" xmlns:r="http://schemas.openxmlformats.org/officeDocument/2006/relationships" xmlns:p="http://schemas.openxmlformats.org/presentationml/2006/main">
   <p:tag name="TIMING" val="|20.7"/>
@@ -9550,6 +11727,18 @@
 <file path=ppt/tags/tag2.xml><?xml version="1.0" encoding="utf-8"?>
 <p:tagLst xmlns:a="http://schemas.openxmlformats.org/drawingml/2006/main" xmlns:r="http://schemas.openxmlformats.org/officeDocument/2006/relationships" xmlns:p="http://schemas.openxmlformats.org/presentationml/2006/main">
   <p:tag name="TIMING" val="|10.5"/>
+</p:tagLst>
+</file>
+
+<file path=ppt/tags/tag3.xml><?xml version="1.0" encoding="utf-8"?>
+<p:tagLst xmlns:a="http://schemas.openxmlformats.org/drawingml/2006/main" xmlns:r="http://schemas.openxmlformats.org/officeDocument/2006/relationships" xmlns:p="http://schemas.openxmlformats.org/presentationml/2006/main">
+  <p:tag name="TIMING" val="|10.5"/>
+</p:tagLst>
+</file>
+
+<file path=ppt/tags/tag4.xml><?xml version="1.0" encoding="utf-8"?>
+<p:tagLst xmlns:a="http://schemas.openxmlformats.org/drawingml/2006/main" xmlns:r="http://schemas.openxmlformats.org/officeDocument/2006/relationships" xmlns:p="http://schemas.openxmlformats.org/presentationml/2006/main">
+  <p:tag name="TIMING" val="|5.8"/>
 </p:tagLst>
 </file>
 

--- a/images/instructions/manipulation_question_inst.pptx
+++ b/images/instructions/manipulation_question_inst.pptx
@@ -5,16 +5,13 @@
     <p:sldMasterId id="2147483648" r:id="rId1"/>
   </p:sldMasterIdLst>
   <p:notesMasterIdLst>
-    <p:notesMasterId r:id="rId9"/>
+    <p:notesMasterId r:id="rId6"/>
   </p:notesMasterIdLst>
   <p:sldIdLst>
     <p:sldId id="334" r:id="rId2"/>
     <p:sldId id="357" r:id="rId3"/>
     <p:sldId id="332" r:id="rId4"/>
     <p:sldId id="358" r:id="rId5"/>
-    <p:sldId id="361" r:id="rId6"/>
-    <p:sldId id="359" r:id="rId7"/>
-    <p:sldId id="360" r:id="rId8"/>
   </p:sldIdLst>
   <p:sldSz cx="12192000" cy="6858000"/>
   <p:notesSz cx="6858000" cy="9144000"/>
@@ -203,7 +200,7 @@
           <a:p>
             <a:fld id="{C8844929-72CC-624F-BC9E-7FD4479971A4}" type="datetimeFigureOut">
               <a:rPr lang="en-US" smtClean="0"/>
-              <a:t>4/3/24</a:t>
+              <a:t>4/8/24</a:t>
             </a:fld>
             <a:endParaRPr lang="en-US"/>
           </a:p>
@@ -2900,348 +2897,6 @@
 </p:notes>
 </file>
 
-<file path=ppt/notesSlides/notesSlide5.xml><?xml version="1.0" encoding="utf-8"?>
-<p:notes xmlns:a="http://schemas.openxmlformats.org/drawingml/2006/main" xmlns:r="http://schemas.openxmlformats.org/officeDocument/2006/relationships" xmlns:p="http://schemas.openxmlformats.org/presentationml/2006/main">
-  <p:cSld>
-    <p:spTree>
-      <p:nvGrpSpPr>
-        <p:cNvPr id="1" name="">
-          <a:extLst>
-            <a:ext uri="{FF2B5EF4-FFF2-40B4-BE49-F238E27FC236}">
-              <a16:creationId xmlns:a16="http://schemas.microsoft.com/office/drawing/2014/main" id="{D7B4B5C0-5C6A-07C2-F0EC-722694B9F59F}"/>
-            </a:ext>
-          </a:extLst>
-        </p:cNvPr>
-        <p:cNvGrpSpPr/>
-        <p:nvPr/>
-      </p:nvGrpSpPr>
-      <p:grpSpPr>
-        <a:xfrm>
-          <a:off x="0" y="0"/>
-          <a:ext cx="0" cy="0"/>
-          <a:chOff x="0" y="0"/>
-          <a:chExt cx="0" cy="0"/>
-        </a:xfrm>
-      </p:grpSpPr>
-      <p:sp>
-        <p:nvSpPr>
-          <p:cNvPr id="2" name="Slide Image Placeholder 1">
-            <a:extLst>
-              <a:ext uri="{FF2B5EF4-FFF2-40B4-BE49-F238E27FC236}">
-                <a16:creationId xmlns:a16="http://schemas.microsoft.com/office/drawing/2014/main" id="{DB344E03-2EA9-BDE0-164A-0E2EFDB16940}"/>
-              </a:ext>
-            </a:extLst>
-          </p:cNvPr>
-          <p:cNvSpPr>
-            <a:spLocks noGrp="1" noRot="1" noChangeAspect="1"/>
-          </p:cNvSpPr>
-          <p:nvPr>
-            <p:ph type="sldImg"/>
-          </p:nvPr>
-        </p:nvSpPr>
-        <p:spPr/>
-      </p:sp>
-      <p:sp>
-        <p:nvSpPr>
-          <p:cNvPr id="3" name="Notes Placeholder 2">
-            <a:extLst>
-              <a:ext uri="{FF2B5EF4-FFF2-40B4-BE49-F238E27FC236}">
-                <a16:creationId xmlns:a16="http://schemas.microsoft.com/office/drawing/2014/main" id="{F602386F-571F-98CD-C58A-3C96028DC08C}"/>
-              </a:ext>
-            </a:extLst>
-          </p:cNvPr>
-          <p:cNvSpPr>
-            <a:spLocks noGrp="1"/>
-          </p:cNvSpPr>
-          <p:nvPr>
-            <p:ph type="body" idx="1"/>
-          </p:nvPr>
-        </p:nvSpPr>
-        <p:spPr/>
-        <p:txBody>
-          <a:bodyPr/>
-          <a:lstStyle/>
-          <a:p>
-            <a:r>
-              <a:rPr lang="en-US" altLang="zh-CN" dirty="0"/>
-              <a:t>Q2 in the first set of manipulation questions in each block. </a:t>
-            </a:r>
-          </a:p>
-        </p:txBody>
-      </p:sp>
-      <p:sp>
-        <p:nvSpPr>
-          <p:cNvPr id="4" name="Slide Number Placeholder 3">
-            <a:extLst>
-              <a:ext uri="{FF2B5EF4-FFF2-40B4-BE49-F238E27FC236}">
-                <a16:creationId xmlns:a16="http://schemas.microsoft.com/office/drawing/2014/main" id="{BEF93043-48AD-591F-4123-4A345072A658}"/>
-              </a:ext>
-            </a:extLst>
-          </p:cNvPr>
-          <p:cNvSpPr>
-            <a:spLocks noGrp="1"/>
-          </p:cNvSpPr>
-          <p:nvPr>
-            <p:ph type="sldNum" sz="quarter" idx="5"/>
-          </p:nvPr>
-        </p:nvSpPr>
-        <p:spPr/>
-        <p:txBody>
-          <a:bodyPr/>
-          <a:lstStyle/>
-          <a:p>
-            <a:fld id="{5807BC3C-6967-BF40-A292-C94745E4376C}" type="slidenum">
-              <a:rPr lang="en-US" smtClean="0"/>
-              <a:t>6</a:t>
-            </a:fld>
-            <a:endParaRPr lang="en-US"/>
-          </a:p>
-        </p:txBody>
-      </p:sp>
-    </p:spTree>
-    <p:extLst>
-      <p:ext uri="{BB962C8B-B14F-4D97-AF65-F5344CB8AC3E}">
-        <p14:creationId xmlns:p14="http://schemas.microsoft.com/office/powerpoint/2010/main" val="4265037724"/>
-      </p:ext>
-    </p:extLst>
-  </p:cSld>
-  <p:clrMapOvr>
-    <a:masterClrMapping/>
-  </p:clrMapOvr>
-</p:notes>
-</file>
-
-<file path=ppt/notesSlides/notesSlide6.xml><?xml version="1.0" encoding="utf-8"?>
-<p:notes xmlns:a="http://schemas.openxmlformats.org/drawingml/2006/main" xmlns:r="http://schemas.openxmlformats.org/officeDocument/2006/relationships" xmlns:p="http://schemas.openxmlformats.org/presentationml/2006/main">
-  <p:cSld>
-    <p:spTree>
-      <p:nvGrpSpPr>
-        <p:cNvPr id="1" name="">
-          <a:extLst>
-            <a:ext uri="{FF2B5EF4-FFF2-40B4-BE49-F238E27FC236}">
-              <a16:creationId xmlns:a16="http://schemas.microsoft.com/office/drawing/2014/main" id="{1395B7F4-4E26-ACF7-8E90-C375AE49C8CC}"/>
-            </a:ext>
-          </a:extLst>
-        </p:cNvPr>
-        <p:cNvGrpSpPr/>
-        <p:nvPr/>
-      </p:nvGrpSpPr>
-      <p:grpSpPr>
-        <a:xfrm>
-          <a:off x="0" y="0"/>
-          <a:ext cx="0" cy="0"/>
-          <a:chOff x="0" y="0"/>
-          <a:chExt cx="0" cy="0"/>
-        </a:xfrm>
-      </p:grpSpPr>
-      <p:sp>
-        <p:nvSpPr>
-          <p:cNvPr id="2" name="Slide Image Placeholder 1">
-            <a:extLst>
-              <a:ext uri="{FF2B5EF4-FFF2-40B4-BE49-F238E27FC236}">
-                <a16:creationId xmlns:a16="http://schemas.microsoft.com/office/drawing/2014/main" id="{768F40B7-10F1-E303-12FE-7D050ADA2BAD}"/>
-              </a:ext>
-            </a:extLst>
-          </p:cNvPr>
-          <p:cNvSpPr>
-            <a:spLocks noGrp="1" noRot="1" noChangeAspect="1"/>
-          </p:cNvSpPr>
-          <p:nvPr>
-            <p:ph type="sldImg"/>
-          </p:nvPr>
-        </p:nvSpPr>
-        <p:spPr/>
-      </p:sp>
-      <p:sp>
-        <p:nvSpPr>
-          <p:cNvPr id="3" name="Notes Placeholder 2">
-            <a:extLst>
-              <a:ext uri="{FF2B5EF4-FFF2-40B4-BE49-F238E27FC236}">
-                <a16:creationId xmlns:a16="http://schemas.microsoft.com/office/drawing/2014/main" id="{9330A211-D3B5-9101-AD83-7B833F6959AF}"/>
-              </a:ext>
-            </a:extLst>
-          </p:cNvPr>
-          <p:cNvSpPr>
-            <a:spLocks noGrp="1"/>
-          </p:cNvSpPr>
-          <p:nvPr>
-            <p:ph type="body" idx="1"/>
-          </p:nvPr>
-        </p:nvSpPr>
-        <p:spPr/>
-        <p:txBody>
-          <a:bodyPr/>
-          <a:lstStyle/>
-          <a:p>
-            <a:pPr marL="0" indent="0">
-              <a:buNone/>
-            </a:pPr>
-            <a:r>
-              <a:rPr lang="en-US" altLang="zh-CN" dirty="0"/>
-              <a:t>A</a:t>
-            </a:r>
-            <a:r>
-              <a:rPr lang="en-US" dirty="0"/>
-              <a:t> reward bar will show the total </a:t>
-            </a:r>
-            <a:r>
-              <a:rPr lang="en-US" altLang="zh-CN" dirty="0"/>
-              <a:t>stars</a:t>
-            </a:r>
-            <a:r>
-              <a:rPr lang="en-US" dirty="0"/>
-              <a:t> that you have earned. </a:t>
-            </a:r>
-          </a:p>
-          <a:p>
-            <a:pPr marL="0" marR="0" lvl="0" indent="0" algn="l" defTabSz="914400" rtl="0" eaLnBrk="1" fontAlgn="auto" latinLnBrk="0" hangingPunct="1">
-              <a:lnSpc>
-                <a:spcPct val="100000"/>
-              </a:lnSpc>
-              <a:spcBef>
-                <a:spcPts val="0"/>
-              </a:spcBef>
-              <a:spcAft>
-                <a:spcPts val="0"/>
-              </a:spcAft>
-              <a:buClrTx/>
-              <a:buSzTx/>
-              <a:buFontTx/>
-              <a:buNone/>
-              <a:tabLst/>
-              <a:defRPr/>
-            </a:pPr>
-            <a:r>
-              <a:rPr lang="en-US" altLang="zh-CN" dirty="0"/>
-              <a:t>[click</a:t>
-            </a:r>
-            <a:r>
-              <a:rPr lang="zh-CN" altLang="en-US" dirty="0"/>
-              <a:t> </a:t>
-            </a:r>
-            <a:r>
-              <a:rPr lang="en-US" altLang="zh-CN" dirty="0"/>
-              <a:t>for</a:t>
-            </a:r>
-            <a:r>
-              <a:rPr lang="zh-CN" altLang="en-US" dirty="0"/>
-              <a:t> </a:t>
-            </a:r>
-            <a:r>
-              <a:rPr lang="en-US" altLang="zh-CN" dirty="0"/>
-              <a:t>effect]</a:t>
-            </a:r>
-          </a:p>
-          <a:p>
-            <a:pPr marL="0" indent="0">
-              <a:buNone/>
-            </a:pPr>
-            <a:endParaRPr lang="en-US" dirty="0"/>
-          </a:p>
-        </p:txBody>
-      </p:sp>
-      <p:sp>
-        <p:nvSpPr>
-          <p:cNvPr id="4" name="Slide Number Placeholder 3">
-            <a:extLst>
-              <a:ext uri="{FF2B5EF4-FFF2-40B4-BE49-F238E27FC236}">
-                <a16:creationId xmlns:a16="http://schemas.microsoft.com/office/drawing/2014/main" id="{A35C25EB-8672-63B2-AB9F-472C1D47BAB0}"/>
-              </a:ext>
-            </a:extLst>
-          </p:cNvPr>
-          <p:cNvSpPr>
-            <a:spLocks noGrp="1"/>
-          </p:cNvSpPr>
-          <p:nvPr>
-            <p:ph type="sldNum" sz="quarter" idx="5"/>
-          </p:nvPr>
-        </p:nvSpPr>
-        <p:spPr/>
-        <p:txBody>
-          <a:bodyPr/>
-          <a:lstStyle/>
-          <a:p>
-            <a:pPr marL="0" marR="0" lvl="0" indent="0" algn="r" defTabSz="914400" rtl="0" eaLnBrk="1" fontAlgn="auto" latinLnBrk="0" hangingPunct="1">
-              <a:lnSpc>
-                <a:spcPct val="100000"/>
-              </a:lnSpc>
-              <a:spcBef>
-                <a:spcPts val="0"/>
-              </a:spcBef>
-              <a:spcAft>
-                <a:spcPts val="0"/>
-              </a:spcAft>
-              <a:buClrTx/>
-              <a:buSzTx/>
-              <a:buFontTx/>
-              <a:buNone/>
-              <a:tabLst/>
-              <a:defRPr/>
-            </a:pPr>
-            <a:fld id="{163F1028-65D3-1A45-9B38-3C7C20421446}" type="slidenum">
-              <a:rPr kumimoji="0" lang="en-US" sz="1200" b="0" i="0" u="none" strike="noStrike" kern="1200" cap="none" spc="0" normalizeH="0" baseline="0" noProof="0" smtClean="0">
-                <a:ln>
-                  <a:noFill/>
-                </a:ln>
-                <a:solidFill>
-                  <a:prstClr val="black"/>
-                </a:solidFill>
-                <a:effectLst/>
-                <a:uLnTx/>
-                <a:uFillTx/>
-                <a:latin typeface="Calibri" panose="020F0502020204030204"/>
-                <a:ea typeface="+mn-ea"/>
-                <a:cs typeface="+mn-cs"/>
-              </a:rPr>
-              <a:pPr marL="0" marR="0" lvl="0" indent="0" algn="r" defTabSz="914400" rtl="0" eaLnBrk="1" fontAlgn="auto" latinLnBrk="0" hangingPunct="1">
-                <a:lnSpc>
-                  <a:spcPct val="100000"/>
-                </a:lnSpc>
-                <a:spcBef>
-                  <a:spcPts val="0"/>
-                </a:spcBef>
-                <a:spcAft>
-                  <a:spcPts val="0"/>
-                </a:spcAft>
-                <a:buClrTx/>
-                <a:buSzTx/>
-                <a:buFontTx/>
-                <a:buNone/>
-                <a:tabLst/>
-                <a:defRPr/>
-              </a:pPr>
-              <a:t>7</a:t>
-            </a:fld>
-            <a:endParaRPr kumimoji="0" lang="en-US" sz="1200" b="0" i="0" u="none" strike="noStrike" kern="1200" cap="none" spc="0" normalizeH="0" baseline="0" noProof="0">
-              <a:ln>
-                <a:noFill/>
-              </a:ln>
-              <a:solidFill>
-                <a:prstClr val="black"/>
-              </a:solidFill>
-              <a:effectLst/>
-              <a:uLnTx/>
-              <a:uFillTx/>
-              <a:latin typeface="Calibri" panose="020F0502020204030204"/>
-              <a:ea typeface="+mn-ea"/>
-              <a:cs typeface="+mn-cs"/>
-            </a:endParaRPr>
-          </a:p>
-        </p:txBody>
-      </p:sp>
-    </p:spTree>
-    <p:extLst>
-      <p:ext uri="{BB962C8B-B14F-4D97-AF65-F5344CB8AC3E}">
-        <p14:creationId xmlns:p14="http://schemas.microsoft.com/office/powerpoint/2010/main" val="2387983503"/>
-      </p:ext>
-    </p:extLst>
-  </p:cSld>
-  <p:clrMapOvr>
-    <a:masterClrMapping/>
-  </p:clrMapOvr>
-</p:notes>
-</file>
-
 <file path=ppt/slideLayouts/slideLayout1.xml><?xml version="1.0" encoding="utf-8"?>
 <p:sldLayout xmlns:a="http://schemas.openxmlformats.org/drawingml/2006/main" xmlns:r="http://schemas.openxmlformats.org/officeDocument/2006/relationships" xmlns:p="http://schemas.openxmlformats.org/presentationml/2006/main" type="title" preserve="1">
   <p:cSld name="Title Slide">
@@ -3389,7 +3044,7 @@
           <a:p>
             <a:fld id="{5D34ABCA-B847-7343-9E7F-009554B09717}" type="datetimeFigureOut">
               <a:rPr lang="en-US" smtClean="0"/>
-              <a:t>4/3/24</a:t>
+              <a:t>4/8/24</a:t>
             </a:fld>
             <a:endParaRPr lang="en-US"/>
           </a:p>
@@ -3587,7 +3242,7 @@
           <a:p>
             <a:fld id="{5D34ABCA-B847-7343-9E7F-009554B09717}" type="datetimeFigureOut">
               <a:rPr lang="en-US" smtClean="0"/>
-              <a:t>4/3/24</a:t>
+              <a:t>4/8/24</a:t>
             </a:fld>
             <a:endParaRPr lang="en-US"/>
           </a:p>
@@ -3795,7 +3450,7 @@
           <a:p>
             <a:fld id="{5D34ABCA-B847-7343-9E7F-009554B09717}" type="datetimeFigureOut">
               <a:rPr lang="en-US" smtClean="0"/>
-              <a:t>4/3/24</a:t>
+              <a:t>4/8/24</a:t>
             </a:fld>
             <a:endParaRPr lang="en-US"/>
           </a:p>
@@ -3993,7 +3648,7 @@
           <a:p>
             <a:fld id="{5D34ABCA-B847-7343-9E7F-009554B09717}" type="datetimeFigureOut">
               <a:rPr lang="en-US" smtClean="0"/>
-              <a:t>4/3/24</a:t>
+              <a:t>4/8/24</a:t>
             </a:fld>
             <a:endParaRPr lang="en-US"/>
           </a:p>
@@ -4268,7 +3923,7 @@
           <a:p>
             <a:fld id="{5D34ABCA-B847-7343-9E7F-009554B09717}" type="datetimeFigureOut">
               <a:rPr lang="en-US" smtClean="0"/>
-              <a:t>4/3/24</a:t>
+              <a:t>4/8/24</a:t>
             </a:fld>
             <a:endParaRPr lang="en-US"/>
           </a:p>
@@ -4533,7 +4188,7 @@
           <a:p>
             <a:fld id="{5D34ABCA-B847-7343-9E7F-009554B09717}" type="datetimeFigureOut">
               <a:rPr lang="en-US" smtClean="0"/>
-              <a:t>4/3/24</a:t>
+              <a:t>4/8/24</a:t>
             </a:fld>
             <a:endParaRPr lang="en-US"/>
           </a:p>
@@ -4945,7 +4600,7 @@
           <a:p>
             <a:fld id="{5D34ABCA-B847-7343-9E7F-009554B09717}" type="datetimeFigureOut">
               <a:rPr lang="en-US" smtClean="0"/>
-              <a:t>4/3/24</a:t>
+              <a:t>4/8/24</a:t>
             </a:fld>
             <a:endParaRPr lang="en-US"/>
           </a:p>
@@ -5086,7 +4741,7 @@
           <a:p>
             <a:fld id="{5D34ABCA-B847-7343-9E7F-009554B09717}" type="datetimeFigureOut">
               <a:rPr lang="en-US" smtClean="0"/>
-              <a:t>4/3/24</a:t>
+              <a:t>4/8/24</a:t>
             </a:fld>
             <a:endParaRPr lang="en-US"/>
           </a:p>
@@ -5199,7 +4854,7 @@
           <a:p>
             <a:fld id="{5D34ABCA-B847-7343-9E7F-009554B09717}" type="datetimeFigureOut">
               <a:rPr lang="en-US" smtClean="0"/>
-              <a:t>4/3/24</a:t>
+              <a:t>4/8/24</a:t>
             </a:fld>
             <a:endParaRPr lang="en-US"/>
           </a:p>
@@ -5510,7 +5165,7 @@
           <a:p>
             <a:fld id="{5D34ABCA-B847-7343-9E7F-009554B09717}" type="datetimeFigureOut">
               <a:rPr lang="en-US" smtClean="0"/>
-              <a:t>4/3/24</a:t>
+              <a:t>4/8/24</a:t>
             </a:fld>
             <a:endParaRPr lang="en-US"/>
           </a:p>
@@ -5798,7 +5453,7 @@
           <a:p>
             <a:fld id="{5D34ABCA-B847-7343-9E7F-009554B09717}" type="datetimeFigureOut">
               <a:rPr lang="en-US" smtClean="0"/>
-              <a:t>4/3/24</a:t>
+              <a:t>4/8/24</a:t>
             </a:fld>
             <a:endParaRPr lang="en-US"/>
           </a:p>
@@ -6039,7 +5694,7 @@
           <a:p>
             <a:fld id="{5D34ABCA-B847-7343-9E7F-009554B09717}" type="datetimeFigureOut">
               <a:rPr lang="en-US" smtClean="0"/>
-              <a:t>4/3/24</a:t>
+              <a:t>4/8/24</a:t>
             </a:fld>
             <a:endParaRPr lang="en-US"/>
           </a:p>
@@ -7459,9 +7114,9 @@
         <p:grpSpPr>
           <a:xfrm>
             <a:off x="3719488" y="5276529"/>
-            <a:ext cx="5002486" cy="750548"/>
+            <a:ext cx="6725774" cy="750548"/>
             <a:chOff x="4411145" y="5042069"/>
-            <a:chExt cx="5002486" cy="750548"/>
+            <a:chExt cx="6725774" cy="750548"/>
           </a:xfrm>
         </p:grpSpPr>
         <p:sp>
@@ -7531,7 +7186,7 @@
           <p:spPr>
             <a:xfrm>
               <a:off x="4771291" y="5042069"/>
-              <a:ext cx="3594225" cy="369332"/>
+              <a:ext cx="6365628" cy="369332"/>
             </a:xfrm>
             <a:prstGeom prst="rect">
               <a:avLst/>
@@ -7578,7 +7233,55 @@
               </a:r>
               <a:r>
                 <a:rPr lang="en-US" altLang="zh-CN" dirty="0"/>
-                <a:t>switched.</a:t>
+                <a:t>switched</a:t>
+              </a:r>
+              <a:r>
+                <a:rPr lang="zh-CN" altLang="en-US" dirty="0"/>
+                <a:t> </a:t>
+              </a:r>
+              <a:r>
+                <a:rPr lang="en-US" altLang="zh-CN" dirty="0"/>
+                <a:t>from</a:t>
+              </a:r>
+              <a:r>
+                <a:rPr lang="zh-CN" altLang="en-US" dirty="0"/>
+                <a:t> </a:t>
+              </a:r>
+              <a:r>
+                <a:rPr lang="en-US" altLang="zh-CN" dirty="0"/>
+                <a:t>one</a:t>
+              </a:r>
+              <a:r>
+                <a:rPr lang="zh-CN" altLang="en-US" dirty="0"/>
+                <a:t> </a:t>
+              </a:r>
+              <a:r>
+                <a:rPr lang="en-US" altLang="zh-CN" dirty="0"/>
+                <a:t>color</a:t>
+              </a:r>
+              <a:r>
+                <a:rPr lang="zh-CN" altLang="en-US" dirty="0"/>
+                <a:t> </a:t>
+              </a:r>
+              <a:r>
+                <a:rPr lang="en-US" altLang="zh-CN" dirty="0"/>
+                <a:t>to</a:t>
+              </a:r>
+              <a:r>
+                <a:rPr lang="zh-CN" altLang="en-US" dirty="0"/>
+                <a:t> </a:t>
+              </a:r>
+              <a:r>
+                <a:rPr lang="en-US" altLang="zh-CN" dirty="0"/>
+                <a:t>the</a:t>
+              </a:r>
+              <a:r>
+                <a:rPr lang="zh-CN" altLang="en-US" dirty="0"/>
+                <a:t> </a:t>
+              </a:r>
+              <a:r>
+                <a:rPr lang="en-US" altLang="zh-CN" dirty="0"/>
+                <a:t>other.</a:t>
               </a:r>
               <a:endParaRPr lang="en-US" dirty="0"/>
             </a:p>
@@ -7847,11 +7550,11 @@
   <p:clrMapOvr>
     <a:masterClrMapping/>
   </p:clrMapOvr>
-  <mc:AlternateContent xmlns:mc="http://schemas.openxmlformats.org/markup-compatibility/2006">
-    <mc:Choice xmlns:p14="http://schemas.microsoft.com/office/powerpoint/2010/main" Requires="p14">
+  <mc:AlternateContent xmlns:mc="http://schemas.openxmlformats.org/markup-compatibility/2006" xmlns:p14="http://schemas.microsoft.com/office/powerpoint/2010/main">
+    <mc:Choice Requires="p14">
       <p:transition spd="slow" p14:dur="2000" advTm="31506"/>
     </mc:Choice>
-    <mc:Fallback>
+    <mc:Fallback xmlns="">
       <p:transition spd="slow" advTm="31506"/>
     </mc:Fallback>
   </mc:AlternateContent>
@@ -10233,1587 +9936,6 @@
 </p:sld>
 </file>
 
-<file path=ppt/slides/slide5.xml><?xml version="1.0" encoding="utf-8"?>
-<p:sld xmlns:a="http://schemas.openxmlformats.org/drawingml/2006/main" xmlns:r="http://schemas.openxmlformats.org/officeDocument/2006/relationships" xmlns:p="http://schemas.openxmlformats.org/presentationml/2006/main">
-  <p:cSld>
-    <p:spTree>
-      <p:nvGrpSpPr>
-        <p:cNvPr id="1" name=""/>
-        <p:cNvGrpSpPr/>
-        <p:nvPr/>
-      </p:nvGrpSpPr>
-      <p:grpSpPr>
-        <a:xfrm>
-          <a:off x="0" y="0"/>
-          <a:ext cx="0" cy="0"/>
-          <a:chOff x="0" y="0"/>
-          <a:chExt cx="0" cy="0"/>
-        </a:xfrm>
-      </p:grpSpPr>
-    </p:spTree>
-    <p:extLst>
-      <p:ext uri="{BB962C8B-B14F-4D97-AF65-F5344CB8AC3E}">
-        <p14:creationId xmlns:p14="http://schemas.microsoft.com/office/powerpoint/2010/main" val="1781244428"/>
-      </p:ext>
-    </p:extLst>
-  </p:cSld>
-  <p:clrMapOvr>
-    <a:masterClrMapping/>
-  </p:clrMapOvr>
-</p:sld>
-</file>
-
-<file path=ppt/slides/slide6.xml><?xml version="1.0" encoding="utf-8"?>
-<p:sld xmlns:a="http://schemas.openxmlformats.org/drawingml/2006/main" xmlns:r="http://schemas.openxmlformats.org/officeDocument/2006/relationships" xmlns:p="http://schemas.openxmlformats.org/presentationml/2006/main">
-  <p:cSld>
-    <p:spTree>
-      <p:nvGrpSpPr>
-        <p:cNvPr id="1" name="">
-          <a:extLst>
-            <a:ext uri="{FF2B5EF4-FFF2-40B4-BE49-F238E27FC236}">
-              <a16:creationId xmlns:a16="http://schemas.microsoft.com/office/drawing/2014/main" id="{BBDC48A4-3752-7563-34AD-DEB86B0DA1C8}"/>
-            </a:ext>
-          </a:extLst>
-        </p:cNvPr>
-        <p:cNvGrpSpPr/>
-        <p:nvPr/>
-      </p:nvGrpSpPr>
-      <p:grpSpPr>
-        <a:xfrm>
-          <a:off x="0" y="0"/>
-          <a:ext cx="0" cy="0"/>
-          <a:chOff x="0" y="0"/>
-          <a:chExt cx="0" cy="0"/>
-        </a:xfrm>
-      </p:grpSpPr>
-      <p:sp>
-        <p:nvSpPr>
-          <p:cNvPr id="2" name="TextBox 1">
-            <a:extLst>
-              <a:ext uri="{FF2B5EF4-FFF2-40B4-BE49-F238E27FC236}">
-                <a16:creationId xmlns:a16="http://schemas.microsoft.com/office/drawing/2014/main" id="{4F9EDF39-568B-FD31-463C-8FA34CCD58F6}"/>
-              </a:ext>
-            </a:extLst>
-          </p:cNvPr>
-          <p:cNvSpPr txBox="1"/>
-          <p:nvPr/>
-        </p:nvSpPr>
-        <p:spPr>
-          <a:xfrm>
-            <a:off x="1495348" y="1075323"/>
-            <a:ext cx="9700195" cy="369332"/>
-          </a:xfrm>
-          <a:prstGeom prst="rect">
-            <a:avLst/>
-          </a:prstGeom>
-          <a:noFill/>
-        </p:spPr>
-        <p:txBody>
-          <a:bodyPr wrap="square" rtlCol="0">
-            <a:spAutoFit/>
-          </a:bodyPr>
-          <a:lstStyle/>
-          <a:p>
-            <a:pPr algn="ctr"/>
-            <a:r>
-              <a:rPr lang="en-US" altLang="zh-CN" b="0" i="0" dirty="0">
-                <a:solidFill>
-                  <a:srgbClr val="000000"/>
-                </a:solidFill>
-                <a:effectLst/>
-                <a:latin typeface="Open Sans" panose="020B0606030504020204" pitchFamily="34" charset="0"/>
-              </a:rPr>
-              <a:t>Did</a:t>
-            </a:r>
-            <a:r>
-              <a:rPr lang="zh-CN" altLang="en-US" b="0" i="0" dirty="0">
-                <a:solidFill>
-                  <a:srgbClr val="000000"/>
-                </a:solidFill>
-                <a:effectLst/>
-                <a:latin typeface="Open Sans" panose="020B0606030504020204" pitchFamily="34" charset="0"/>
-              </a:rPr>
-              <a:t> </a:t>
-            </a:r>
-            <a:r>
-              <a:rPr lang="en-US" altLang="zh-CN" dirty="0">
-                <a:solidFill>
-                  <a:srgbClr val="000000"/>
-                </a:solidFill>
-                <a:latin typeface="Open Sans" panose="020B0606030504020204" pitchFamily="34" charset="0"/>
-              </a:rPr>
-              <a:t>the winning card</a:t>
-            </a:r>
-            <a:r>
-              <a:rPr lang="zh-CN" altLang="en-US" b="0" i="0" dirty="0">
-                <a:solidFill>
-                  <a:srgbClr val="000000"/>
-                </a:solidFill>
-                <a:effectLst/>
-                <a:latin typeface="Open Sans" panose="020B0606030504020204" pitchFamily="34" charset="0"/>
-              </a:rPr>
-              <a:t> </a:t>
-            </a:r>
-            <a:r>
-              <a:rPr lang="en-US" altLang="zh-CN" b="0" i="0" dirty="0">
-                <a:solidFill>
-                  <a:srgbClr val="000000"/>
-                </a:solidFill>
-                <a:effectLst/>
-                <a:latin typeface="Open Sans" panose="020B0606030504020204" pitchFamily="34" charset="0"/>
-              </a:rPr>
-              <a:t>switch</a:t>
-            </a:r>
-            <a:r>
-              <a:rPr lang="zh-CN" altLang="en-US" b="0" i="0" dirty="0">
-                <a:solidFill>
-                  <a:srgbClr val="000000"/>
-                </a:solidFill>
-                <a:effectLst/>
-                <a:latin typeface="Open Sans" panose="020B0606030504020204" pitchFamily="34" charset="0"/>
-              </a:rPr>
-              <a:t> </a:t>
-            </a:r>
-            <a:r>
-              <a:rPr lang="en-US" altLang="zh-CN" b="0" i="0" dirty="0">
-                <a:solidFill>
-                  <a:srgbClr val="000000"/>
-                </a:solidFill>
-                <a:effectLst/>
-                <a:latin typeface="Open Sans" panose="020B0606030504020204" pitchFamily="34" charset="0"/>
-              </a:rPr>
-              <a:t>in</a:t>
-            </a:r>
-            <a:r>
-              <a:rPr lang="zh-CN" altLang="en-US" b="0" i="0" dirty="0">
-                <a:solidFill>
-                  <a:srgbClr val="000000"/>
-                </a:solidFill>
-                <a:effectLst/>
-                <a:latin typeface="Open Sans" panose="020B0606030504020204" pitchFamily="34" charset="0"/>
-              </a:rPr>
-              <a:t> </a:t>
-            </a:r>
-            <a:r>
-              <a:rPr lang="en-US" altLang="zh-CN" b="0" i="0" dirty="0">
-                <a:solidFill>
-                  <a:srgbClr val="000000"/>
-                </a:solidFill>
-                <a:effectLst/>
-                <a:latin typeface="Open Sans" panose="020B0606030504020204" pitchFamily="34" charset="0"/>
-              </a:rPr>
-              <a:t>the</a:t>
-            </a:r>
-            <a:r>
-              <a:rPr lang="zh-CN" altLang="en-US" b="0" i="0" dirty="0">
-                <a:solidFill>
-                  <a:srgbClr val="000000"/>
-                </a:solidFill>
-                <a:effectLst/>
-                <a:latin typeface="Open Sans" panose="020B0606030504020204" pitchFamily="34" charset="0"/>
-              </a:rPr>
-              <a:t> </a:t>
-            </a:r>
-            <a:r>
-              <a:rPr lang="en-US" altLang="zh-CN" b="0" i="0" dirty="0">
-                <a:solidFill>
-                  <a:srgbClr val="000000"/>
-                </a:solidFill>
-                <a:effectLst/>
-                <a:latin typeface="Open Sans" panose="020B0606030504020204" pitchFamily="34" charset="0"/>
-              </a:rPr>
-              <a:t>past</a:t>
-            </a:r>
-            <a:r>
-              <a:rPr lang="zh-CN" altLang="en-US" b="0" i="0" dirty="0">
-                <a:solidFill>
-                  <a:srgbClr val="000000"/>
-                </a:solidFill>
-                <a:effectLst/>
-                <a:latin typeface="Open Sans" panose="020B0606030504020204" pitchFamily="34" charset="0"/>
-              </a:rPr>
-              <a:t> </a:t>
-            </a:r>
-            <a:r>
-              <a:rPr lang="en-US" altLang="zh-CN" b="0" i="0" dirty="0">
-                <a:solidFill>
-                  <a:srgbClr val="000000"/>
-                </a:solidFill>
-                <a:effectLst/>
-                <a:latin typeface="Open Sans" panose="020B0606030504020204" pitchFamily="34" charset="0"/>
-              </a:rPr>
-              <a:t>few</a:t>
-            </a:r>
-            <a:r>
-              <a:rPr lang="zh-CN" altLang="en-US" b="0" i="0" dirty="0">
-                <a:solidFill>
-                  <a:srgbClr val="000000"/>
-                </a:solidFill>
-                <a:effectLst/>
-                <a:latin typeface="Open Sans" panose="020B0606030504020204" pitchFamily="34" charset="0"/>
-              </a:rPr>
-              <a:t> </a:t>
-            </a:r>
-            <a:r>
-              <a:rPr lang="en-US" altLang="zh-CN" b="0" i="0" dirty="0">
-                <a:solidFill>
-                  <a:srgbClr val="000000"/>
-                </a:solidFill>
-                <a:effectLst/>
-                <a:latin typeface="Open Sans" panose="020B0606030504020204" pitchFamily="34" charset="0"/>
-              </a:rPr>
-              <a:t>turns?</a:t>
-            </a:r>
-            <a:r>
-              <a:rPr lang="en-US" b="0" i="0" dirty="0">
-                <a:solidFill>
-                  <a:srgbClr val="8B0000"/>
-                </a:solidFill>
-                <a:effectLst/>
-                <a:latin typeface="Open Sans" panose="020B0606030504020204" pitchFamily="34" charset="0"/>
-              </a:rPr>
-              <a:t>*</a:t>
-            </a:r>
-            <a:endParaRPr lang="en-US" b="0" i="0" dirty="0">
-              <a:solidFill>
-                <a:srgbClr val="000000"/>
-              </a:solidFill>
-              <a:effectLst/>
-              <a:latin typeface="Open Sans" panose="020B0606030504020204" pitchFamily="34" charset="0"/>
-            </a:endParaRPr>
-          </a:p>
-        </p:txBody>
-      </p:sp>
-      <p:sp>
-        <p:nvSpPr>
-          <p:cNvPr id="3" name="Rectangle 2">
-            <a:extLst>
-              <a:ext uri="{FF2B5EF4-FFF2-40B4-BE49-F238E27FC236}">
-                <a16:creationId xmlns:a16="http://schemas.microsoft.com/office/drawing/2014/main" id="{74349F66-BEA4-6ABE-5DD3-3B65790AE7CE}"/>
-              </a:ext>
-            </a:extLst>
-          </p:cNvPr>
-          <p:cNvSpPr>
-            <a:spLocks noChangeAspect="1"/>
-          </p:cNvSpPr>
-          <p:nvPr/>
-        </p:nvSpPr>
-        <p:spPr>
-          <a:xfrm>
-            <a:off x="7276083" y="2011680"/>
-            <a:ext cx="2355063" cy="2834640"/>
-          </a:xfrm>
-          <a:prstGeom prst="rect">
-            <a:avLst/>
-          </a:prstGeom>
-        </p:spPr>
-        <p:style>
-          <a:lnRef idx="2">
-            <a:schemeClr val="accent6">
-              <a:shade val="50000"/>
-            </a:schemeClr>
-          </a:lnRef>
-          <a:fillRef idx="1">
-            <a:schemeClr val="accent6"/>
-          </a:fillRef>
-          <a:effectRef idx="0">
-            <a:schemeClr val="accent6"/>
-          </a:effectRef>
-          <a:fontRef idx="minor">
-            <a:schemeClr val="lt1"/>
-          </a:fontRef>
-        </p:style>
-        <p:txBody>
-          <a:bodyPr rtlCol="0" anchor="ctr"/>
-          <a:lstStyle/>
-          <a:p>
-            <a:pPr rtl="0">
-              <a:spcBef>
-                <a:spcPts val="0"/>
-              </a:spcBef>
-              <a:spcAft>
-                <a:spcPts val="0"/>
-              </a:spcAft>
-            </a:pPr>
-            <a:endParaRPr lang="en-US" sz="5400" b="0" dirty="0">
-              <a:effectLst/>
-            </a:endParaRPr>
-          </a:p>
-        </p:txBody>
-      </p:sp>
-      <p:sp>
-        <p:nvSpPr>
-          <p:cNvPr id="4" name="Rectangle 3">
-            <a:extLst>
-              <a:ext uri="{FF2B5EF4-FFF2-40B4-BE49-F238E27FC236}">
-                <a16:creationId xmlns:a16="http://schemas.microsoft.com/office/drawing/2014/main" id="{81DF174B-3BC5-3ABF-8FAA-B3BF3EF6562C}"/>
-              </a:ext>
-            </a:extLst>
-          </p:cNvPr>
-          <p:cNvSpPr>
-            <a:spLocks noChangeAspect="1"/>
-          </p:cNvSpPr>
-          <p:nvPr/>
-        </p:nvSpPr>
-        <p:spPr>
-          <a:xfrm>
-            <a:off x="2309130" y="2011680"/>
-            <a:ext cx="2355063" cy="2834640"/>
-          </a:xfrm>
-          <a:prstGeom prst="rect">
-            <a:avLst/>
-          </a:prstGeom>
-        </p:spPr>
-        <p:style>
-          <a:lnRef idx="1">
-            <a:schemeClr val="accent1"/>
-          </a:lnRef>
-          <a:fillRef idx="3">
-            <a:schemeClr val="accent1"/>
-          </a:fillRef>
-          <a:effectRef idx="2">
-            <a:schemeClr val="accent1"/>
-          </a:effectRef>
-          <a:fontRef idx="minor">
-            <a:schemeClr val="lt1"/>
-          </a:fontRef>
-        </p:style>
-        <p:txBody>
-          <a:bodyPr rtlCol="0" anchor="ctr"/>
-          <a:lstStyle/>
-          <a:p>
-            <a:pPr algn="ctr"/>
-            <a:endParaRPr lang="en-US" dirty="0"/>
-          </a:p>
-        </p:txBody>
-      </p:sp>
-      <p:grpSp>
-        <p:nvGrpSpPr>
-          <p:cNvPr id="10" name="Group 9">
-            <a:extLst>
-              <a:ext uri="{FF2B5EF4-FFF2-40B4-BE49-F238E27FC236}">
-                <a16:creationId xmlns:a16="http://schemas.microsoft.com/office/drawing/2014/main" id="{44969723-4F1B-ADEC-46AF-D27E7DB64DC9}"/>
-              </a:ext>
-            </a:extLst>
-          </p:cNvPr>
-          <p:cNvGrpSpPr/>
-          <p:nvPr/>
-        </p:nvGrpSpPr>
-        <p:grpSpPr>
-          <a:xfrm>
-            <a:off x="3719488" y="5276529"/>
-            <a:ext cx="5002486" cy="750548"/>
-            <a:chOff x="4411145" y="5042069"/>
-            <a:chExt cx="5002486" cy="750548"/>
-          </a:xfrm>
-        </p:grpSpPr>
-        <p:sp>
-          <p:nvSpPr>
-            <p:cNvPr id="7" name="Oval 6">
-              <a:extLst>
-                <a:ext uri="{FF2B5EF4-FFF2-40B4-BE49-F238E27FC236}">
-                  <a16:creationId xmlns:a16="http://schemas.microsoft.com/office/drawing/2014/main" id="{D9ED1BEE-1CB0-A9D2-1CBC-50BC9AA97E27}"/>
-                </a:ext>
-              </a:extLst>
-            </p:cNvPr>
-            <p:cNvSpPr/>
-            <p:nvPr/>
-          </p:nvSpPr>
-          <p:spPr>
-            <a:xfrm>
-              <a:off x="4411145" y="5134802"/>
-              <a:ext cx="176194" cy="185467"/>
-            </a:xfrm>
-            <a:prstGeom prst="ellipse">
-              <a:avLst/>
-            </a:prstGeom>
-            <a:noFill/>
-            <a:ln>
-              <a:solidFill>
-                <a:schemeClr val="tx1"/>
-              </a:solidFill>
-            </a:ln>
-          </p:spPr>
-          <p:style>
-            <a:lnRef idx="2">
-              <a:schemeClr val="accent1">
-                <a:shade val="15000"/>
-              </a:schemeClr>
-            </a:lnRef>
-            <a:fillRef idx="1">
-              <a:schemeClr val="accent1"/>
-            </a:fillRef>
-            <a:effectRef idx="0">
-              <a:schemeClr val="accent1"/>
-            </a:effectRef>
-            <a:fontRef idx="minor">
-              <a:schemeClr val="lt1"/>
-            </a:fontRef>
-          </p:style>
-          <p:txBody>
-            <a:bodyPr rtlCol="0" anchor="ctr"/>
-            <a:lstStyle/>
-            <a:p>
-              <a:pPr algn="ctr"/>
-              <a:endParaRPr lang="en-US"/>
-            </a:p>
-          </p:txBody>
-        </p:sp>
-        <p:sp>
-          <p:nvSpPr>
-            <p:cNvPr id="5" name="TextBox 4">
-              <a:extLst>
-                <a:ext uri="{FF2B5EF4-FFF2-40B4-BE49-F238E27FC236}">
-                  <a16:creationId xmlns:a16="http://schemas.microsoft.com/office/drawing/2014/main" id="{3DDDA5E0-4346-C373-D3BF-4DA1E790ACC4}"/>
-                </a:ext>
-              </a:extLst>
-            </p:cNvPr>
-            <p:cNvSpPr txBox="1"/>
-            <p:nvPr/>
-          </p:nvSpPr>
-          <p:spPr>
-            <a:xfrm>
-              <a:off x="4771291" y="5042069"/>
-              <a:ext cx="3594225" cy="369332"/>
-            </a:xfrm>
-            <a:prstGeom prst="rect">
-              <a:avLst/>
-            </a:prstGeom>
-            <a:noFill/>
-          </p:spPr>
-          <p:txBody>
-            <a:bodyPr wrap="square" rtlCol="0">
-              <a:spAutoFit/>
-            </a:bodyPr>
-            <a:lstStyle/>
-            <a:p>
-              <a:r>
-                <a:rPr lang="en-US" altLang="zh-CN" dirty="0"/>
-                <a:t>Yes.</a:t>
-              </a:r>
-              <a:r>
-                <a:rPr lang="zh-CN" altLang="en-US" dirty="0"/>
-                <a:t> </a:t>
-              </a:r>
-              <a:r>
-                <a:rPr lang="en-US" altLang="zh-CN" dirty="0"/>
-                <a:t>The</a:t>
-              </a:r>
-              <a:r>
-                <a:rPr lang="zh-CN" altLang="en-US" dirty="0"/>
-                <a:t> </a:t>
-              </a:r>
-              <a:r>
-                <a:rPr lang="en-US" altLang="zh-CN" dirty="0"/>
-                <a:t>winning</a:t>
-              </a:r>
-              <a:r>
-                <a:rPr lang="zh-CN" altLang="en-US" dirty="0"/>
-                <a:t> </a:t>
-              </a:r>
-              <a:r>
-                <a:rPr lang="en-US" altLang="zh-CN" dirty="0"/>
-                <a:t>card</a:t>
-              </a:r>
-              <a:r>
-                <a:rPr lang="zh-CN" altLang="en-US" dirty="0"/>
-                <a:t> </a:t>
-              </a:r>
-              <a:r>
-                <a:rPr lang="en-US" altLang="zh-CN" dirty="0"/>
-                <a:t>switched.</a:t>
-              </a:r>
-              <a:endParaRPr lang="en-US" dirty="0"/>
-            </a:p>
-          </p:txBody>
-        </p:sp>
-        <p:sp>
-          <p:nvSpPr>
-            <p:cNvPr id="6" name="Oval 5">
-              <a:extLst>
-                <a:ext uri="{FF2B5EF4-FFF2-40B4-BE49-F238E27FC236}">
-                  <a16:creationId xmlns:a16="http://schemas.microsoft.com/office/drawing/2014/main" id="{129F04EB-D7B2-C316-0C73-E1F1D3FF9B72}"/>
-                </a:ext>
-              </a:extLst>
-            </p:cNvPr>
-            <p:cNvSpPr/>
-            <p:nvPr/>
-          </p:nvSpPr>
-          <p:spPr>
-            <a:xfrm>
-              <a:off x="4411145" y="5516017"/>
-              <a:ext cx="176194" cy="185467"/>
-            </a:xfrm>
-            <a:prstGeom prst="ellipse">
-              <a:avLst/>
-            </a:prstGeom>
-            <a:noFill/>
-            <a:ln>
-              <a:solidFill>
-                <a:schemeClr val="tx1"/>
-              </a:solidFill>
-            </a:ln>
-          </p:spPr>
-          <p:style>
-            <a:lnRef idx="2">
-              <a:schemeClr val="accent1">
-                <a:shade val="15000"/>
-              </a:schemeClr>
-            </a:lnRef>
-            <a:fillRef idx="1">
-              <a:schemeClr val="accent1"/>
-            </a:fillRef>
-            <a:effectRef idx="0">
-              <a:schemeClr val="accent1"/>
-            </a:effectRef>
-            <a:fontRef idx="minor">
-              <a:schemeClr val="lt1"/>
-            </a:fontRef>
-          </p:style>
-          <p:txBody>
-            <a:bodyPr rtlCol="0" anchor="ctr"/>
-            <a:lstStyle/>
-            <a:p>
-              <a:pPr algn="ctr"/>
-              <a:endParaRPr lang="en-US"/>
-            </a:p>
-          </p:txBody>
-        </p:sp>
-        <p:sp>
-          <p:nvSpPr>
-            <p:cNvPr id="9" name="TextBox 8">
-              <a:extLst>
-                <a:ext uri="{FF2B5EF4-FFF2-40B4-BE49-F238E27FC236}">
-                  <a16:creationId xmlns:a16="http://schemas.microsoft.com/office/drawing/2014/main" id="{AE66FDD6-EA1A-B06A-060C-C971EE651F25}"/>
-                </a:ext>
-              </a:extLst>
-            </p:cNvPr>
-            <p:cNvSpPr txBox="1"/>
-            <p:nvPr/>
-          </p:nvSpPr>
-          <p:spPr>
-            <a:xfrm>
-              <a:off x="4771291" y="5423285"/>
-              <a:ext cx="4642340" cy="369332"/>
-            </a:xfrm>
-            <a:prstGeom prst="rect">
-              <a:avLst/>
-            </a:prstGeom>
-            <a:noFill/>
-          </p:spPr>
-          <p:txBody>
-            <a:bodyPr wrap="square" rtlCol="0">
-              <a:spAutoFit/>
-            </a:bodyPr>
-            <a:lstStyle/>
-            <a:p>
-              <a:r>
-                <a:rPr lang="en-US" altLang="zh-CN" dirty="0"/>
-                <a:t>No.</a:t>
-              </a:r>
-              <a:r>
-                <a:rPr lang="zh-CN" altLang="en-US" dirty="0"/>
-                <a:t> </a:t>
-              </a:r>
-              <a:r>
-                <a:rPr lang="en-US" altLang="zh-CN" dirty="0"/>
-                <a:t>The</a:t>
-              </a:r>
-              <a:r>
-                <a:rPr lang="zh-CN" altLang="en-US" dirty="0"/>
-                <a:t> </a:t>
-              </a:r>
-              <a:r>
-                <a:rPr lang="en-US" altLang="zh-CN" dirty="0"/>
-                <a:t>winning</a:t>
-              </a:r>
-              <a:r>
-                <a:rPr lang="zh-CN" altLang="en-US" dirty="0"/>
-                <a:t> </a:t>
-              </a:r>
-              <a:r>
-                <a:rPr lang="en-US" altLang="zh-CN" dirty="0"/>
-                <a:t>card</a:t>
-              </a:r>
-              <a:r>
-                <a:rPr lang="zh-CN" altLang="en-US" dirty="0"/>
-                <a:t> </a:t>
-              </a:r>
-              <a:r>
-                <a:rPr lang="en-US" altLang="zh-CN" dirty="0"/>
-                <a:t>is</a:t>
-              </a:r>
-              <a:r>
-                <a:rPr lang="zh-CN" altLang="en-US" dirty="0"/>
-                <a:t> </a:t>
-              </a:r>
-              <a:r>
-                <a:rPr lang="en-US" altLang="zh-CN" dirty="0"/>
-                <a:t>still</a:t>
-              </a:r>
-              <a:r>
-                <a:rPr lang="zh-CN" altLang="en-US" dirty="0"/>
-                <a:t> </a:t>
-              </a:r>
-              <a:r>
-                <a:rPr lang="en-US" altLang="zh-CN" dirty="0"/>
-                <a:t>the</a:t>
-              </a:r>
-              <a:r>
-                <a:rPr lang="zh-CN" altLang="en-US" dirty="0"/>
-                <a:t> </a:t>
-              </a:r>
-              <a:r>
-                <a:rPr lang="en-US" altLang="zh-CN" dirty="0"/>
-                <a:t>same</a:t>
-              </a:r>
-              <a:r>
-                <a:rPr lang="zh-CN" altLang="en-US" dirty="0"/>
-                <a:t> </a:t>
-              </a:r>
-              <a:r>
-                <a:rPr lang="en-US" altLang="zh-CN" dirty="0"/>
-                <a:t>color</a:t>
-              </a:r>
-              <a:r>
-                <a:rPr lang="zh-CN" altLang="en-US" dirty="0"/>
-                <a:t> </a:t>
-              </a:r>
-              <a:r>
-                <a:rPr lang="en-US" altLang="zh-CN" dirty="0"/>
-                <a:t>card.</a:t>
-              </a:r>
-              <a:endParaRPr lang="en-US" dirty="0"/>
-            </a:p>
-          </p:txBody>
-        </p:sp>
-      </p:grpSp>
-      <p:pic>
-        <p:nvPicPr>
-          <p:cNvPr id="17" name="Audio 16">
-            <a:extLst>
-              <a:ext uri="{FF2B5EF4-FFF2-40B4-BE49-F238E27FC236}">
-                <a16:creationId xmlns:a16="http://schemas.microsoft.com/office/drawing/2014/main" id="{14ECFD9D-0594-621C-B01F-D652094BF925}"/>
-              </a:ext>
-            </a:extLst>
-          </p:cNvPr>
-          <p:cNvPicPr>
-            <a:picLocks noChangeAspect="1"/>
-          </p:cNvPicPr>
-          <p:nvPr>
-            <a:audioFile r:link="rId3"/>
-            <p:extLst>
-              <p:ext uri="{DAA4B4D4-6D71-4841-9C94-3DE7FCFB9230}">
-                <p14:media xmlns:p14="http://schemas.microsoft.com/office/powerpoint/2010/main" r:embed="rId2"/>
-              </p:ext>
-            </p:extLst>
-          </p:nvPr>
-        </p:nvPicPr>
-        <p:blipFill>
-          <a:blip r:embed="rId6"/>
-          <a:stretch>
-            <a:fillRect/>
-          </a:stretch>
-        </p:blipFill>
-        <p:spPr>
-          <a:xfrm>
-            <a:off x="11226800" y="5892800"/>
-            <a:ext cx="812800" cy="812800"/>
-          </a:xfrm>
-          <a:prstGeom prst="rect">
-            <a:avLst/>
-          </a:prstGeom>
-        </p:spPr>
-      </p:pic>
-    </p:spTree>
-    <p:custDataLst>
-      <p:tags r:id="rId1"/>
-    </p:custDataLst>
-    <p:extLst>
-      <p:ext uri="{BB962C8B-B14F-4D97-AF65-F5344CB8AC3E}">
-        <p14:creationId xmlns:p14="http://schemas.microsoft.com/office/powerpoint/2010/main" val="4134643037"/>
-      </p:ext>
-    </p:extLst>
-  </p:cSld>
-  <p:clrMapOvr>
-    <a:masterClrMapping/>
-  </p:clrMapOvr>
-  <mc:AlternateContent xmlns:mc="http://schemas.openxmlformats.org/markup-compatibility/2006" xmlns:p14="http://schemas.microsoft.com/office/powerpoint/2010/main">
-    <mc:Choice Requires="p14">
-      <p:transition spd="slow" p14:dur="2000" advTm="15303"/>
-    </mc:Choice>
-    <mc:Fallback xmlns="">
-      <p:transition spd="slow" advTm="15303"/>
-    </mc:Fallback>
-  </mc:AlternateContent>
-  <p:timing>
-    <p:tnLst>
-      <p:par>
-        <p:cTn id="1" dur="indefinite" restart="never" nodeType="tmRoot">
-          <p:childTnLst>
-            <p:seq concurrent="1" nextAc="seek">
-              <p:cTn id="2" dur="indefinite" nodeType="mainSeq">
-                <p:childTnLst>
-                  <p:par>
-                    <p:cTn id="3" fill="hold">
-                      <p:stCondLst>
-                        <p:cond delay="indefinite"/>
-                        <p:cond evt="onBegin" delay="0">
-                          <p:tn val="2"/>
-                        </p:cond>
-                      </p:stCondLst>
-                      <p:childTnLst>
-                        <p:par>
-                          <p:cTn id="4" fill="hold">
-                            <p:stCondLst>
-                              <p:cond delay="0"/>
-                            </p:stCondLst>
-                            <p:childTnLst>
-                              <p:par>
-                                <p:cTn id="5" presetID="1" presetClass="mediacall" presetSubtype="0" fill="hold" nodeType="afterEffect">
-                                  <p:stCondLst>
-                                    <p:cond delay="0"/>
-                                  </p:stCondLst>
-                                  <p:childTnLst>
-                                    <p:cmd type="call" cmd="playFrom(0.0)">
-                                      <p:cBhvr>
-                                        <p:cTn id="6" dur="1" fill="hold"/>
-                                        <p:tgtEl>
-                                          <p:spTgt spid="17"/>
-                                        </p:tgtEl>
-                                      </p:cBhvr>
-                                    </p:cmd>
-                                  </p:childTnLst>
-                                </p:cTn>
-                              </p:par>
-                            </p:childTnLst>
-                          </p:cTn>
-                        </p:par>
-                      </p:childTnLst>
-                    </p:cTn>
-                  </p:par>
-                </p:childTnLst>
-              </p:cTn>
-              <p:prevCondLst>
-                <p:cond evt="onPrev" delay="0">
-                  <p:tgtEl>
-                    <p:sldTgt/>
-                  </p:tgtEl>
-                </p:cond>
-              </p:prevCondLst>
-              <p:nextCondLst>
-                <p:cond evt="onNext" delay="0">
-                  <p:tgtEl>
-                    <p:sldTgt/>
-                  </p:tgtEl>
-                </p:cond>
-              </p:nextCondLst>
-            </p:seq>
-            <p:audio isNarration="1">
-              <p:cMediaNode vol="80000" showWhenStopped="0">
-                <p:cTn id="7" fill="hold" display="0">
-                  <p:stCondLst>
-                    <p:cond delay="indefinite"/>
-                  </p:stCondLst>
-                  <p:endCondLst>
-                    <p:cond evt="onStopAudio" delay="0">
-                      <p:tgtEl>
-                        <p:sldTgt/>
-                      </p:tgtEl>
-                    </p:cond>
-                  </p:endCondLst>
-                </p:cTn>
-                <p:tgtEl>
-                  <p:spTgt spid="17"/>
-                </p:tgtEl>
-              </p:cMediaNode>
-            </p:audio>
-          </p:childTnLst>
-        </p:cTn>
-      </p:par>
-    </p:tnLst>
-  </p:timing>
-</p:sld>
-</file>
-
-<file path=ppt/slides/slide7.xml><?xml version="1.0" encoding="utf-8"?>
-<p:sld xmlns:a="http://schemas.openxmlformats.org/drawingml/2006/main" xmlns:r="http://schemas.openxmlformats.org/officeDocument/2006/relationships" xmlns:p="http://schemas.openxmlformats.org/presentationml/2006/main">
-  <p:cSld>
-    <p:spTree>
-      <p:nvGrpSpPr>
-        <p:cNvPr id="1" name="">
-          <a:extLst>
-            <a:ext uri="{FF2B5EF4-FFF2-40B4-BE49-F238E27FC236}">
-              <a16:creationId xmlns:a16="http://schemas.microsoft.com/office/drawing/2014/main" id="{A4BF9829-AA2D-4D31-A01B-E3E3C31C079E}"/>
-            </a:ext>
-          </a:extLst>
-        </p:cNvPr>
-        <p:cNvGrpSpPr/>
-        <p:nvPr/>
-      </p:nvGrpSpPr>
-      <p:grpSpPr>
-        <a:xfrm>
-          <a:off x="0" y="0"/>
-          <a:ext cx="0" cy="0"/>
-          <a:chOff x="0" y="0"/>
-          <a:chExt cx="0" cy="0"/>
-        </a:xfrm>
-      </p:grpSpPr>
-      <p:sp>
-        <p:nvSpPr>
-          <p:cNvPr id="4" name="Rectangle 3">
-            <a:extLst>
-              <a:ext uri="{FF2B5EF4-FFF2-40B4-BE49-F238E27FC236}">
-                <a16:creationId xmlns:a16="http://schemas.microsoft.com/office/drawing/2014/main" id="{1126B462-378F-6D63-C7D1-08F6961204C1}"/>
-              </a:ext>
-            </a:extLst>
-          </p:cNvPr>
-          <p:cNvSpPr>
-            <a:spLocks noChangeAspect="1"/>
-          </p:cNvSpPr>
-          <p:nvPr/>
-        </p:nvSpPr>
-        <p:spPr>
-          <a:xfrm>
-            <a:off x="2309130" y="2011680"/>
-            <a:ext cx="2355063" cy="2834640"/>
-          </a:xfrm>
-          <a:prstGeom prst="rect">
-            <a:avLst/>
-          </a:prstGeom>
-        </p:spPr>
-        <p:style>
-          <a:lnRef idx="1">
-            <a:schemeClr val="accent1"/>
-          </a:lnRef>
-          <a:fillRef idx="3">
-            <a:schemeClr val="accent1"/>
-          </a:fillRef>
-          <a:effectRef idx="2">
-            <a:schemeClr val="accent1"/>
-          </a:effectRef>
-          <a:fontRef idx="minor">
-            <a:schemeClr val="lt1"/>
-          </a:fontRef>
-        </p:style>
-        <p:txBody>
-          <a:bodyPr rtlCol="0" anchor="ctr"/>
-          <a:lstStyle/>
-          <a:p>
-            <a:pPr marL="0" marR="0" lvl="0" indent="0" algn="ctr" defTabSz="914400" rtl="0" eaLnBrk="1" fontAlgn="auto" latinLnBrk="0" hangingPunct="1">
-              <a:lnSpc>
-                <a:spcPct val="100000"/>
-              </a:lnSpc>
-              <a:spcBef>
-                <a:spcPts val="0"/>
-              </a:spcBef>
-              <a:spcAft>
-                <a:spcPts val="0"/>
-              </a:spcAft>
-              <a:buClrTx/>
-              <a:buSzTx/>
-              <a:buFontTx/>
-              <a:buNone/>
-              <a:tabLst/>
-              <a:defRPr/>
-            </a:pPr>
-            <a:endParaRPr kumimoji="0" lang="en-US" sz="1800" b="0" i="0" u="none" strike="noStrike" kern="1200" cap="none" spc="0" normalizeH="0" baseline="0" noProof="0" dirty="0">
-              <a:ln>
-                <a:noFill/>
-              </a:ln>
-              <a:solidFill>
-                <a:prstClr val="white"/>
-              </a:solidFill>
-              <a:effectLst/>
-              <a:uLnTx/>
-              <a:uFillTx/>
-              <a:latin typeface="Calibri"/>
-              <a:ea typeface="+mn-ea"/>
-              <a:cs typeface="+mn-cs"/>
-            </a:endParaRPr>
-          </a:p>
-        </p:txBody>
-      </p:sp>
-      <p:sp>
-        <p:nvSpPr>
-          <p:cNvPr id="5" name="Rectangle 4">
-            <a:extLst>
-              <a:ext uri="{FF2B5EF4-FFF2-40B4-BE49-F238E27FC236}">
-                <a16:creationId xmlns:a16="http://schemas.microsoft.com/office/drawing/2014/main" id="{C6C7C671-523D-1FFC-73C7-146E328AF803}"/>
-              </a:ext>
-            </a:extLst>
-          </p:cNvPr>
-          <p:cNvSpPr>
-            <a:spLocks noChangeAspect="1"/>
-          </p:cNvSpPr>
-          <p:nvPr/>
-        </p:nvSpPr>
-        <p:spPr>
-          <a:xfrm>
-            <a:off x="7276083" y="2011680"/>
-            <a:ext cx="2355063" cy="2834640"/>
-          </a:xfrm>
-          <a:prstGeom prst="rect">
-            <a:avLst/>
-          </a:prstGeom>
-        </p:spPr>
-        <p:style>
-          <a:lnRef idx="2">
-            <a:schemeClr val="accent6">
-              <a:shade val="50000"/>
-            </a:schemeClr>
-          </a:lnRef>
-          <a:fillRef idx="1">
-            <a:schemeClr val="accent6"/>
-          </a:fillRef>
-          <a:effectRef idx="0">
-            <a:schemeClr val="accent6"/>
-          </a:effectRef>
-          <a:fontRef idx="minor">
-            <a:schemeClr val="lt1"/>
-          </a:fontRef>
-        </p:style>
-        <p:txBody>
-          <a:bodyPr rtlCol="0" anchor="ctr"/>
-          <a:lstStyle/>
-          <a:p>
-            <a:pPr marL="0" marR="0" lvl="0" indent="0" algn="l" defTabSz="914400" rtl="0" eaLnBrk="1" fontAlgn="auto" latinLnBrk="0" hangingPunct="1">
-              <a:lnSpc>
-                <a:spcPct val="100000"/>
-              </a:lnSpc>
-              <a:spcBef>
-                <a:spcPts val="0"/>
-              </a:spcBef>
-              <a:spcAft>
-                <a:spcPts val="0"/>
-              </a:spcAft>
-              <a:buClrTx/>
-              <a:buSzTx/>
-              <a:buFontTx/>
-              <a:buNone/>
-              <a:tabLst/>
-              <a:defRPr/>
-            </a:pPr>
-            <a:endParaRPr kumimoji="0" lang="en-US" sz="5400" b="0" i="0" u="none" strike="noStrike" kern="1200" cap="none" spc="0" normalizeH="0" baseline="0" noProof="0" dirty="0">
-              <a:ln>
-                <a:noFill/>
-              </a:ln>
-              <a:solidFill>
-                <a:prstClr val="white"/>
-              </a:solidFill>
-              <a:effectLst/>
-              <a:uLnTx/>
-              <a:uFillTx/>
-              <a:latin typeface="Calibri"/>
-              <a:ea typeface="+mn-ea"/>
-              <a:cs typeface="+mn-cs"/>
-            </a:endParaRPr>
-          </a:p>
-        </p:txBody>
-      </p:sp>
-      <p:sp>
-        <p:nvSpPr>
-          <p:cNvPr id="6" name="TextBox 5">
-            <a:extLst>
-              <a:ext uri="{FF2B5EF4-FFF2-40B4-BE49-F238E27FC236}">
-                <a16:creationId xmlns:a16="http://schemas.microsoft.com/office/drawing/2014/main" id="{B34DC459-5FA9-C6E7-E986-531F5348BD0E}"/>
-              </a:ext>
-            </a:extLst>
-          </p:cNvPr>
-          <p:cNvSpPr txBox="1"/>
-          <p:nvPr/>
-        </p:nvSpPr>
-        <p:spPr>
-          <a:xfrm>
-            <a:off x="5634598" y="2563738"/>
-            <a:ext cx="680038" cy="1015663"/>
-          </a:xfrm>
-          <a:prstGeom prst="rect">
-            <a:avLst/>
-          </a:prstGeom>
-          <a:noFill/>
-        </p:spPr>
-        <p:txBody>
-          <a:bodyPr wrap="square" rtlCol="0">
-            <a:spAutoFit/>
-          </a:bodyPr>
-          <a:lstStyle/>
-          <a:p>
-            <a:pPr marL="0" marR="0" lvl="0" indent="0" algn="l" defTabSz="914400" rtl="0" eaLnBrk="1" fontAlgn="auto" latinLnBrk="0" hangingPunct="1">
-              <a:lnSpc>
-                <a:spcPct val="100000"/>
-              </a:lnSpc>
-              <a:spcBef>
-                <a:spcPts val="0"/>
-              </a:spcBef>
-              <a:spcAft>
-                <a:spcPts val="0"/>
-              </a:spcAft>
-              <a:buClrTx/>
-              <a:buSzTx/>
-              <a:buFontTx/>
-              <a:buNone/>
-              <a:tabLst/>
-              <a:defRPr/>
-            </a:pPr>
-            <a:r>
-              <a:rPr kumimoji="0" lang="en-US" sz="6000" b="0" i="0" u="none" strike="noStrike" kern="1200" cap="none" spc="0" normalizeH="0" baseline="0" noProof="0" dirty="0">
-                <a:ln>
-                  <a:noFill/>
-                </a:ln>
-                <a:solidFill>
-                  <a:srgbClr val="000000"/>
-                </a:solidFill>
-                <a:effectLst/>
-                <a:uLnTx/>
-                <a:uFillTx/>
-                <a:latin typeface="Arial" panose="020B0604020202020204" pitchFamily="34" charset="0"/>
-                <a:ea typeface="+mn-ea"/>
-                <a:cs typeface="+mn-cs"/>
-              </a:rPr>
-              <a:t>+</a:t>
-            </a:r>
-            <a:endParaRPr kumimoji="0" lang="en-US" sz="6000" b="0" i="0" u="none" strike="noStrike" kern="1200" cap="none" spc="0" normalizeH="0" baseline="0" noProof="0" dirty="0">
-              <a:ln>
-                <a:noFill/>
-              </a:ln>
-              <a:solidFill>
-                <a:prstClr val="black"/>
-              </a:solidFill>
-              <a:effectLst/>
-              <a:uLnTx/>
-              <a:uFillTx/>
-              <a:latin typeface="Calibri"/>
-              <a:ea typeface="+mn-ea"/>
-              <a:cs typeface="+mn-cs"/>
-            </a:endParaRPr>
-          </a:p>
-        </p:txBody>
-      </p:sp>
-      <p:grpSp>
-        <p:nvGrpSpPr>
-          <p:cNvPr id="13" name="Group 12">
-            <a:extLst>
-              <a:ext uri="{FF2B5EF4-FFF2-40B4-BE49-F238E27FC236}">
-                <a16:creationId xmlns:a16="http://schemas.microsoft.com/office/drawing/2014/main" id="{029D5AAC-7F93-4211-9B5E-93B58767BFF2}"/>
-              </a:ext>
-            </a:extLst>
-          </p:cNvPr>
-          <p:cNvGrpSpPr/>
-          <p:nvPr/>
-        </p:nvGrpSpPr>
-        <p:grpSpPr>
-          <a:xfrm>
-            <a:off x="2024432" y="5114000"/>
-            <a:ext cx="7707495" cy="1017608"/>
-            <a:chOff x="2024432" y="4908900"/>
-            <a:chExt cx="7707495" cy="1017608"/>
-          </a:xfrm>
-        </p:grpSpPr>
-        <p:sp>
-          <p:nvSpPr>
-            <p:cNvPr id="7" name="Rectangle 6">
-              <a:extLst>
-                <a:ext uri="{FF2B5EF4-FFF2-40B4-BE49-F238E27FC236}">
-                  <a16:creationId xmlns:a16="http://schemas.microsoft.com/office/drawing/2014/main" id="{361806FA-B1B7-D055-A4C2-73EED690E40B}"/>
-                </a:ext>
-              </a:extLst>
-            </p:cNvPr>
-            <p:cNvSpPr/>
-            <p:nvPr/>
-          </p:nvSpPr>
-          <p:spPr>
-            <a:xfrm>
-              <a:off x="2024432" y="5488358"/>
-              <a:ext cx="7707495" cy="438150"/>
-            </a:xfrm>
-            <a:prstGeom prst="rect">
-              <a:avLst/>
-            </a:prstGeom>
-            <a:solidFill>
-              <a:schemeClr val="bg2">
-                <a:lumMod val="90000"/>
-              </a:schemeClr>
-            </a:solidFill>
-            <a:ln>
-              <a:solidFill>
-                <a:schemeClr val="tx1">
-                  <a:lumMod val="65000"/>
-                  <a:lumOff val="35000"/>
-                </a:schemeClr>
-              </a:solidFill>
-            </a:ln>
-            <a:effectLst/>
-          </p:spPr>
-          <p:style>
-            <a:lnRef idx="1">
-              <a:schemeClr val="accent3"/>
-            </a:lnRef>
-            <a:fillRef idx="2">
-              <a:schemeClr val="accent3"/>
-            </a:fillRef>
-            <a:effectRef idx="1">
-              <a:schemeClr val="accent3"/>
-            </a:effectRef>
-            <a:fontRef idx="minor">
-              <a:schemeClr val="dk1"/>
-            </a:fontRef>
-          </p:style>
-          <p:txBody>
-            <a:bodyPr rtlCol="0" anchor="ctr"/>
-            <a:lstStyle/>
-            <a:p>
-              <a:pPr marL="0" marR="0" lvl="0" indent="0" algn="ctr" defTabSz="914400" rtl="0" eaLnBrk="1" fontAlgn="auto" latinLnBrk="0" hangingPunct="1">
-                <a:lnSpc>
-                  <a:spcPct val="100000"/>
-                </a:lnSpc>
-                <a:spcBef>
-                  <a:spcPts val="0"/>
-                </a:spcBef>
-                <a:spcAft>
-                  <a:spcPts val="0"/>
-                </a:spcAft>
-                <a:buClrTx/>
-                <a:buSzTx/>
-                <a:buFontTx/>
-                <a:buNone/>
-                <a:tabLst/>
-                <a:defRPr/>
-              </a:pPr>
-              <a:endParaRPr kumimoji="0" lang="en-US" sz="1800" b="0" i="0" u="none" strike="noStrike" kern="1200" cap="none" spc="0" normalizeH="0" baseline="0" noProof="0" dirty="0">
-                <a:ln>
-                  <a:noFill/>
-                </a:ln>
-                <a:solidFill>
-                  <a:srgbClr val="E7E6E6">
-                    <a:lumMod val="90000"/>
-                  </a:srgbClr>
-                </a:solidFill>
-                <a:effectLst/>
-                <a:uLnTx/>
-                <a:uFillTx/>
-                <a:latin typeface="Calibri"/>
-                <a:ea typeface="+mn-ea"/>
-                <a:cs typeface="+mn-cs"/>
-              </a:endParaRPr>
-            </a:p>
-          </p:txBody>
-        </p:sp>
-        <p:sp>
-          <p:nvSpPr>
-            <p:cNvPr id="12" name="TextBox 11">
-              <a:extLst>
-                <a:ext uri="{FF2B5EF4-FFF2-40B4-BE49-F238E27FC236}">
-                  <a16:creationId xmlns:a16="http://schemas.microsoft.com/office/drawing/2014/main" id="{6DBABA61-0B6B-C3AE-F17E-95654425851B}"/>
-                </a:ext>
-              </a:extLst>
-            </p:cNvPr>
-            <p:cNvSpPr txBox="1"/>
-            <p:nvPr/>
-          </p:nvSpPr>
-          <p:spPr>
-            <a:xfrm>
-              <a:off x="4797085" y="4908900"/>
-              <a:ext cx="2355063" cy="523220"/>
-            </a:xfrm>
-            <a:prstGeom prst="rect">
-              <a:avLst/>
-            </a:prstGeom>
-            <a:noFill/>
-          </p:spPr>
-          <p:txBody>
-            <a:bodyPr wrap="square" rtlCol="0">
-              <a:spAutoFit/>
-            </a:bodyPr>
-            <a:lstStyle/>
-            <a:p>
-              <a:pPr marL="0" marR="0" lvl="0" indent="0" algn="l" defTabSz="914400" rtl="0" eaLnBrk="1" fontAlgn="auto" latinLnBrk="0" hangingPunct="1">
-                <a:lnSpc>
-                  <a:spcPct val="100000"/>
-                </a:lnSpc>
-                <a:spcBef>
-                  <a:spcPts val="0"/>
-                </a:spcBef>
-                <a:spcAft>
-                  <a:spcPts val="0"/>
-                </a:spcAft>
-                <a:buClrTx/>
-                <a:buSzTx/>
-                <a:buFontTx/>
-                <a:buNone/>
-                <a:tabLst/>
-                <a:defRPr/>
-              </a:pPr>
-              <a:r>
-                <a:rPr kumimoji="0" lang="en-US" sz="2800" b="0" i="0" u="none" strike="noStrike" kern="1200" cap="none" spc="0" normalizeH="0" baseline="0" noProof="0" dirty="0">
-                  <a:ln>
-                    <a:noFill/>
-                  </a:ln>
-                  <a:solidFill>
-                    <a:prstClr val="black"/>
-                  </a:solidFill>
-                  <a:effectLst/>
-                  <a:uLnTx/>
-                  <a:uFillTx/>
-                  <a:latin typeface="Calibri"/>
-                  <a:ea typeface="+mn-ea"/>
-                  <a:cs typeface="+mn-cs"/>
-                </a:rPr>
-                <a:t>Total Points: 0</a:t>
-              </a:r>
-            </a:p>
-          </p:txBody>
-        </p:sp>
-      </p:grpSp>
-      <p:sp>
-        <p:nvSpPr>
-          <p:cNvPr id="8" name="TextBox 7">
-            <a:extLst>
-              <a:ext uri="{FF2B5EF4-FFF2-40B4-BE49-F238E27FC236}">
-                <a16:creationId xmlns:a16="http://schemas.microsoft.com/office/drawing/2014/main" id="{C21A5437-3FDE-EC8C-630D-4B5C460D8473}"/>
-              </a:ext>
-            </a:extLst>
-          </p:cNvPr>
-          <p:cNvSpPr txBox="1"/>
-          <p:nvPr/>
-        </p:nvSpPr>
-        <p:spPr>
-          <a:xfrm>
-            <a:off x="348163" y="256032"/>
-            <a:ext cx="11573220" cy="523220"/>
-          </a:xfrm>
-          <a:prstGeom prst="rect">
-            <a:avLst/>
-          </a:prstGeom>
-          <a:noFill/>
-        </p:spPr>
-        <p:txBody>
-          <a:bodyPr wrap="square" rtlCol="0">
-            <a:spAutoFit/>
-          </a:bodyPr>
-          <a:lstStyle/>
-          <a:p>
-            <a:pPr marL="0" marR="0" lvl="0" indent="0" algn="ctr" defTabSz="914400" rtl="0" eaLnBrk="1" fontAlgn="auto" latinLnBrk="0" hangingPunct="1">
-              <a:lnSpc>
-                <a:spcPct val="100000"/>
-              </a:lnSpc>
-              <a:spcBef>
-                <a:spcPts val="0"/>
-              </a:spcBef>
-              <a:spcAft>
-                <a:spcPts val="0"/>
-              </a:spcAft>
-              <a:buClrTx/>
-              <a:buSzTx/>
-              <a:buFontTx/>
-              <a:buNone/>
-              <a:tabLst/>
-              <a:defRPr/>
-            </a:pPr>
-            <a:endParaRPr kumimoji="0" lang="en-US" sz="2800" b="0" i="0" u="none" strike="noStrike" kern="1200" cap="none" spc="0" normalizeH="0" baseline="0" noProof="0" dirty="0">
-              <a:ln>
-                <a:noFill/>
-              </a:ln>
-              <a:solidFill>
-                <a:prstClr val="black"/>
-              </a:solidFill>
-              <a:effectLst/>
-              <a:uLnTx/>
-              <a:uFillTx/>
-              <a:latin typeface="Calibri"/>
-              <a:ea typeface="+mn-ea"/>
-              <a:cs typeface="+mn-cs"/>
-            </a:endParaRPr>
-          </a:p>
-        </p:txBody>
-      </p:sp>
-      <p:pic>
-        <p:nvPicPr>
-          <p:cNvPr id="37" name="Audio 36">
-            <a:extLst>
-              <a:ext uri="{FF2B5EF4-FFF2-40B4-BE49-F238E27FC236}">
-                <a16:creationId xmlns:a16="http://schemas.microsoft.com/office/drawing/2014/main" id="{9D386BD8-6799-2D59-A513-2F9AD50184A5}"/>
-              </a:ext>
-            </a:extLst>
-          </p:cNvPr>
-          <p:cNvPicPr>
-            <a:picLocks noChangeAspect="1"/>
-          </p:cNvPicPr>
-          <p:nvPr>
-            <a:audioFile r:link="rId3"/>
-            <p:extLst>
-              <p:ext uri="{DAA4B4D4-6D71-4841-9C94-3DE7FCFB9230}">
-                <p14:media xmlns:p14="http://schemas.microsoft.com/office/powerpoint/2010/main" r:embed="rId2"/>
-              </p:ext>
-            </p:extLst>
-          </p:nvPr>
-        </p:nvPicPr>
-        <p:blipFill>
-          <a:blip r:embed="rId6"/>
-          <a:stretch>
-            <a:fillRect/>
-          </a:stretch>
-        </p:blipFill>
-        <p:spPr>
-          <a:xfrm>
-            <a:off x="11226800" y="5892800"/>
-            <a:ext cx="812800" cy="812800"/>
-          </a:xfrm>
-          <a:prstGeom prst="rect">
-            <a:avLst/>
-          </a:prstGeom>
-        </p:spPr>
-      </p:pic>
-      <p:sp>
-        <p:nvSpPr>
-          <p:cNvPr id="9" name="TextBox 8">
-            <a:extLst>
-              <a:ext uri="{FF2B5EF4-FFF2-40B4-BE49-F238E27FC236}">
-                <a16:creationId xmlns:a16="http://schemas.microsoft.com/office/drawing/2014/main" id="{79F837F3-B89E-9A42-8912-991CF2463B12}"/>
-              </a:ext>
-            </a:extLst>
-          </p:cNvPr>
-          <p:cNvSpPr txBox="1"/>
-          <p:nvPr/>
-        </p:nvSpPr>
-        <p:spPr>
-          <a:xfrm>
-            <a:off x="3669323" y="1063600"/>
-            <a:ext cx="5825067" cy="369332"/>
-          </a:xfrm>
-          <a:prstGeom prst="rect">
-            <a:avLst/>
-          </a:prstGeom>
-          <a:noFill/>
-        </p:spPr>
-        <p:txBody>
-          <a:bodyPr wrap="square" rtlCol="0">
-            <a:spAutoFit/>
-          </a:bodyPr>
-          <a:lstStyle/>
-          <a:p>
-            <a:r>
-              <a:rPr lang="en-US" dirty="0">
-                <a:solidFill>
-                  <a:srgbClr val="000000"/>
-                </a:solidFill>
-                <a:latin typeface="Open Sans" panose="020B0606030504020204" pitchFamily="34" charset="0"/>
-              </a:rPr>
-              <a:t>For this turn, please choose the [left/right] card.</a:t>
-            </a:r>
-            <a:endParaRPr lang="en-US" b="0" i="0" dirty="0">
-              <a:solidFill>
-                <a:srgbClr val="000000"/>
-              </a:solidFill>
-              <a:effectLst/>
-              <a:latin typeface="Open Sans" panose="020B0606030504020204" pitchFamily="34" charset="0"/>
-            </a:endParaRPr>
-          </a:p>
-        </p:txBody>
-      </p:sp>
-    </p:spTree>
-    <p:custDataLst>
-      <p:tags r:id="rId1"/>
-    </p:custDataLst>
-    <p:extLst>
-      <p:ext uri="{BB962C8B-B14F-4D97-AF65-F5344CB8AC3E}">
-        <p14:creationId xmlns:p14="http://schemas.microsoft.com/office/powerpoint/2010/main" val="1983977672"/>
-      </p:ext>
-    </p:extLst>
-  </p:cSld>
-  <p:clrMapOvr>
-    <a:masterClrMapping/>
-  </p:clrMapOvr>
-  <mc:AlternateContent xmlns:mc="http://schemas.openxmlformats.org/markup-compatibility/2006" xmlns:p14="http://schemas.microsoft.com/office/powerpoint/2010/main">
-    <mc:Choice Requires="p14">
-      <p:transition spd="slow" p14:dur="2000" advTm="8830"/>
-    </mc:Choice>
-    <mc:Fallback xmlns="">
-      <p:transition spd="slow" advTm="8830"/>
-    </mc:Fallback>
-  </mc:AlternateContent>
-  <p:timing>
-    <p:tnLst>
-      <p:par>
-        <p:cTn id="1" dur="indefinite" restart="never" nodeType="tmRoot">
-          <p:childTnLst>
-            <p:seq concurrent="1" nextAc="seek">
-              <p:cTn id="2" dur="indefinite" nodeType="mainSeq">
-                <p:childTnLst>
-                  <p:par>
-                    <p:cTn id="3" fill="hold">
-                      <p:stCondLst>
-                        <p:cond delay="indefinite"/>
-                        <p:cond evt="onBegin" delay="0">
-                          <p:tn val="2"/>
-                        </p:cond>
-                      </p:stCondLst>
-                      <p:childTnLst>
-                        <p:par>
-                          <p:cTn id="4" fill="hold">
-                            <p:stCondLst>
-                              <p:cond delay="0"/>
-                            </p:stCondLst>
-                            <p:childTnLst>
-                              <p:par>
-                                <p:cTn id="5" presetID="1" presetClass="mediacall" presetSubtype="0" fill="hold" nodeType="afterEffect">
-                                  <p:stCondLst>
-                                    <p:cond delay="0"/>
-                                  </p:stCondLst>
-                                  <p:childTnLst>
-                                    <p:cmd type="call" cmd="playFrom(0.0)">
-                                      <p:cBhvr>
-                                        <p:cTn id="6" dur="1" fill="hold"/>
-                                        <p:tgtEl>
-                                          <p:spTgt spid="37"/>
-                                        </p:tgtEl>
-                                      </p:cBhvr>
-                                    </p:cmd>
-                                  </p:childTnLst>
-                                </p:cTn>
-                              </p:par>
-                            </p:childTnLst>
-                          </p:cTn>
-                        </p:par>
-                      </p:childTnLst>
-                    </p:cTn>
-                  </p:par>
-                  <p:par>
-                    <p:cTn id="7" fill="hold">
-                      <p:stCondLst>
-                        <p:cond delay="indefinite"/>
-                      </p:stCondLst>
-                      <p:childTnLst>
-                        <p:par>
-                          <p:cTn id="8" fill="hold">
-                            <p:stCondLst>
-                              <p:cond delay="0"/>
-                            </p:stCondLst>
-                            <p:childTnLst>
-                              <p:par>
-                                <p:cTn id="9" presetID="6" presetClass="emph" presetSubtype="0" repeatCount="2000" autoRev="1" fill="hold" nodeType="clickEffect">
-                                  <p:stCondLst>
-                                    <p:cond delay="0"/>
-                                  </p:stCondLst>
-                                  <p:childTnLst>
-                                    <p:animScale>
-                                      <p:cBhvr>
-                                        <p:cTn id="10" dur="500" fill="hold"/>
-                                        <p:tgtEl>
-                                          <p:spTgt spid="13"/>
-                                        </p:tgtEl>
-                                      </p:cBhvr>
-                                      <p:by x="150000" y="150000"/>
-                                    </p:animScale>
-                                  </p:childTnLst>
-                                </p:cTn>
-                              </p:par>
-                            </p:childTnLst>
-                          </p:cTn>
-                        </p:par>
-                      </p:childTnLst>
-                    </p:cTn>
-                  </p:par>
-                  <p:par>
-                    <p:cTn id="11" fill="hold">
-                      <p:stCondLst>
-                        <p:cond delay="indefinite"/>
-                      </p:stCondLst>
-                      <p:childTnLst>
-                        <p:par>
-                          <p:cTn id="12" fill="hold">
-                            <p:stCondLst>
-                              <p:cond delay="0"/>
-                            </p:stCondLst>
-                            <p:childTnLst>
-                              <p:par>
-                                <p:cTn id="13" presetID="9" presetClass="entr" presetSubtype="0" fill="hold" grpId="0" nodeType="clickEffect">
-                                  <p:stCondLst>
-                                    <p:cond delay="0"/>
-                                  </p:stCondLst>
-                                  <p:childTnLst>
-                                    <p:set>
-                                      <p:cBhvr>
-                                        <p:cTn id="14" dur="1" fill="hold">
-                                          <p:stCondLst>
-                                            <p:cond delay="0"/>
-                                          </p:stCondLst>
-                                        </p:cTn>
-                                        <p:tgtEl>
-                                          <p:spTgt spid="9"/>
-                                        </p:tgtEl>
-                                        <p:attrNameLst>
-                                          <p:attrName>style.visibility</p:attrName>
-                                        </p:attrNameLst>
-                                      </p:cBhvr>
-                                      <p:to>
-                                        <p:strVal val="visible"/>
-                                      </p:to>
-                                    </p:set>
-                                    <p:animEffect transition="in" filter="dissolve">
-                                      <p:cBhvr>
-                                        <p:cTn id="15" dur="500"/>
-                                        <p:tgtEl>
-                                          <p:spTgt spid="9"/>
-                                        </p:tgtEl>
-                                      </p:cBhvr>
-                                    </p:animEffect>
-                                  </p:childTnLst>
-                                </p:cTn>
-                              </p:par>
-                            </p:childTnLst>
-                          </p:cTn>
-                        </p:par>
-                      </p:childTnLst>
-                    </p:cTn>
-                  </p:par>
-                </p:childTnLst>
-              </p:cTn>
-              <p:prevCondLst>
-                <p:cond evt="onPrev" delay="0">
-                  <p:tgtEl>
-                    <p:sldTgt/>
-                  </p:tgtEl>
-                </p:cond>
-              </p:prevCondLst>
-              <p:nextCondLst>
-                <p:cond evt="onNext" delay="0">
-                  <p:tgtEl>
-                    <p:sldTgt/>
-                  </p:tgtEl>
-                </p:cond>
-              </p:nextCondLst>
-            </p:seq>
-            <p:audio isNarration="1">
-              <p:cMediaNode vol="80000" showWhenStopped="0">
-                <p:cTn id="16" fill="hold" display="0">
-                  <p:stCondLst>
-                    <p:cond delay="indefinite"/>
-                  </p:stCondLst>
-                  <p:endCondLst>
-                    <p:cond evt="onStopAudio" delay="0">
-                      <p:tgtEl>
-                        <p:sldTgt/>
-                      </p:tgtEl>
-                    </p:cond>
-                  </p:endCondLst>
-                </p:cTn>
-                <p:tgtEl>
-                  <p:spTgt spid="37"/>
-                </p:tgtEl>
-              </p:cMediaNode>
-            </p:audio>
-          </p:childTnLst>
-        </p:cTn>
-      </p:par>
-    </p:tnLst>
-    <p:bldLst>
-      <p:bldP spid="9" grpId="0"/>
-    </p:bldLst>
-  </p:timing>
-</p:sld>
-</file>
-
 <file path=ppt/tags/tag1.xml><?xml version="1.0" encoding="utf-8"?>
 <p:tagLst xmlns:a="http://schemas.openxmlformats.org/drawingml/2006/main" xmlns:r="http://schemas.openxmlformats.org/officeDocument/2006/relationships" xmlns:p="http://schemas.openxmlformats.org/presentationml/2006/main">
   <p:tag name="TIMING" val="|20.7"/>
@@ -11823,18 +9945,6 @@
 <file path=ppt/tags/tag2.xml><?xml version="1.0" encoding="utf-8"?>
 <p:tagLst xmlns:a="http://schemas.openxmlformats.org/drawingml/2006/main" xmlns:r="http://schemas.openxmlformats.org/officeDocument/2006/relationships" xmlns:p="http://schemas.openxmlformats.org/presentationml/2006/main">
   <p:tag name="TIMING" val="|24.4"/>
-</p:tagLst>
-</file>
-
-<file path=ppt/tags/tag3.xml><?xml version="1.0" encoding="utf-8"?>
-<p:tagLst xmlns:a="http://schemas.openxmlformats.org/drawingml/2006/main" xmlns:r="http://schemas.openxmlformats.org/officeDocument/2006/relationships" xmlns:p="http://schemas.openxmlformats.org/presentationml/2006/main">
-  <p:tag name="TIMING" val="|10.5"/>
-</p:tagLst>
-</file>
-
-<file path=ppt/tags/tag4.xml><?xml version="1.0" encoding="utf-8"?>
-<p:tagLst xmlns:a="http://schemas.openxmlformats.org/drawingml/2006/main" xmlns:r="http://schemas.openxmlformats.org/officeDocument/2006/relationships" xmlns:p="http://schemas.openxmlformats.org/presentationml/2006/main">
-  <p:tag name="TIMING" val="|5.8"/>
 </p:tagLst>
 </file>
 
